--- a/assets/promo-pic-slide.pptx
+++ b/assets/promo-pic-slide.pptx
@@ -2,18 +2,18 @@
 <file path=ppt/presentation.xml><?xml version="1.0" encoding="utf-8"?>
 <p:presentation xmlns:a="http://schemas.openxmlformats.org/drawingml/2006/main" xmlns:r="http://schemas.openxmlformats.org/officeDocument/2006/relationships" xmlns:p="http://schemas.openxmlformats.org/presentationml/2006/main" saveSubsetFonts="1">
   <p:sldMasterIdLst>
-    <p:sldMasterId id="2147483648" r:id="rId1"/>
+    <p:sldMasterId id="2147483684" r:id="rId1"/>
   </p:sldMasterIdLst>
   <p:sldIdLst>
     <p:sldId id="256" r:id="rId2"/>
   </p:sldIdLst>
-  <p:sldSz cx="12192000" cy="6858000"/>
+  <p:sldSz cx="13320713" cy="9018588"/>
   <p:notesSz cx="6858000" cy="9144000"/>
   <p:defaultTextStyle>
     <a:defPPr>
-      <a:defRPr lang="en-FI"/>
+      <a:defRPr lang="en-US"/>
     </a:defPPr>
-    <a:lvl1pPr marL="0" algn="l" defTabSz="914400" rtl="0" eaLnBrk="1" latinLnBrk="0" hangingPunct="1">
+    <a:lvl1pPr marL="0" algn="l" defTabSz="457200" rtl="0" eaLnBrk="1" latinLnBrk="0" hangingPunct="1">
       <a:defRPr sz="1800" kern="1200">
         <a:solidFill>
           <a:schemeClr val="tx1"/>
@@ -23,7 +23,7 @@
         <a:cs typeface="+mn-cs"/>
       </a:defRPr>
     </a:lvl1pPr>
-    <a:lvl2pPr marL="457200" algn="l" defTabSz="914400" rtl="0" eaLnBrk="1" latinLnBrk="0" hangingPunct="1">
+    <a:lvl2pPr marL="457200" algn="l" defTabSz="457200" rtl="0" eaLnBrk="1" latinLnBrk="0" hangingPunct="1">
       <a:defRPr sz="1800" kern="1200">
         <a:solidFill>
           <a:schemeClr val="tx1"/>
@@ -33,7 +33,7 @@
         <a:cs typeface="+mn-cs"/>
       </a:defRPr>
     </a:lvl2pPr>
-    <a:lvl3pPr marL="914400" algn="l" defTabSz="914400" rtl="0" eaLnBrk="1" latinLnBrk="0" hangingPunct="1">
+    <a:lvl3pPr marL="914400" algn="l" defTabSz="457200" rtl="0" eaLnBrk="1" latinLnBrk="0" hangingPunct="1">
       <a:defRPr sz="1800" kern="1200">
         <a:solidFill>
           <a:schemeClr val="tx1"/>
@@ -43,7 +43,7 @@
         <a:cs typeface="+mn-cs"/>
       </a:defRPr>
     </a:lvl3pPr>
-    <a:lvl4pPr marL="1371600" algn="l" defTabSz="914400" rtl="0" eaLnBrk="1" latinLnBrk="0" hangingPunct="1">
+    <a:lvl4pPr marL="1371600" algn="l" defTabSz="457200" rtl="0" eaLnBrk="1" latinLnBrk="0" hangingPunct="1">
       <a:defRPr sz="1800" kern="1200">
         <a:solidFill>
           <a:schemeClr val="tx1"/>
@@ -53,7 +53,7 @@
         <a:cs typeface="+mn-cs"/>
       </a:defRPr>
     </a:lvl4pPr>
-    <a:lvl5pPr marL="1828800" algn="l" defTabSz="914400" rtl="0" eaLnBrk="1" latinLnBrk="0" hangingPunct="1">
+    <a:lvl5pPr marL="1828800" algn="l" defTabSz="457200" rtl="0" eaLnBrk="1" latinLnBrk="0" hangingPunct="1">
       <a:defRPr sz="1800" kern="1200">
         <a:solidFill>
           <a:schemeClr val="tx1"/>
@@ -63,7 +63,7 @@
         <a:cs typeface="+mn-cs"/>
       </a:defRPr>
     </a:lvl5pPr>
-    <a:lvl6pPr marL="2286000" algn="l" defTabSz="914400" rtl="0" eaLnBrk="1" latinLnBrk="0" hangingPunct="1">
+    <a:lvl6pPr marL="2286000" algn="l" defTabSz="457200" rtl="0" eaLnBrk="1" latinLnBrk="0" hangingPunct="1">
       <a:defRPr sz="1800" kern="1200">
         <a:solidFill>
           <a:schemeClr val="tx1"/>
@@ -73,7 +73,7 @@
         <a:cs typeface="+mn-cs"/>
       </a:defRPr>
     </a:lvl6pPr>
-    <a:lvl7pPr marL="2743200" algn="l" defTabSz="914400" rtl="0" eaLnBrk="1" latinLnBrk="0" hangingPunct="1">
+    <a:lvl7pPr marL="2743200" algn="l" defTabSz="457200" rtl="0" eaLnBrk="1" latinLnBrk="0" hangingPunct="1">
       <a:defRPr sz="1800" kern="1200">
         <a:solidFill>
           <a:schemeClr val="tx1"/>
@@ -83,7 +83,7 @@
         <a:cs typeface="+mn-cs"/>
       </a:defRPr>
     </a:lvl7pPr>
-    <a:lvl8pPr marL="3200400" algn="l" defTabSz="914400" rtl="0" eaLnBrk="1" latinLnBrk="0" hangingPunct="1">
+    <a:lvl8pPr marL="3200400" algn="l" defTabSz="457200" rtl="0" eaLnBrk="1" latinLnBrk="0" hangingPunct="1">
       <a:defRPr sz="1800" kern="1200">
         <a:solidFill>
           <a:schemeClr val="tx1"/>
@@ -93,7 +93,7 @@
         <a:cs typeface="+mn-cs"/>
       </a:defRPr>
     </a:lvl8pPr>
-    <a:lvl9pPr marL="3657600" algn="l" defTabSz="914400" rtl="0" eaLnBrk="1" latinLnBrk="0" hangingPunct="1">
+    <a:lvl9pPr marL="3657600" algn="l" defTabSz="457200" rtl="0" eaLnBrk="1" latinLnBrk="0" hangingPunct="1">
       <a:defRPr sz="1800" kern="1200">
         <a:solidFill>
           <a:schemeClr val="tx1"/>
@@ -104,6 +104,11 @@
       </a:defRPr>
     </a:lvl9pPr>
   </p:defaultTextStyle>
+  <p:extLst>
+    <p:ext uri="{EFAFB233-063F-42B5-8137-9DF3F51BA10A}">
+      <p15:sldGuideLst xmlns:p15="http://schemas.microsoft.com/office/powerpoint/2012/main"/>
+    </p:ext>
+  </p:extLst>
 </p:presentation>
 </file>
 
@@ -126,13 +131,7 @@
       </p:grpSpPr>
       <p:sp>
         <p:nvSpPr>
-          <p:cNvPr id="2" name="Title 1">
-            <a:extLst>
-              <a:ext uri="{FF2B5EF4-FFF2-40B4-BE49-F238E27FC236}">
-                <a16:creationId xmlns:a16="http://schemas.microsoft.com/office/drawing/2014/main" id="{566B43AE-B540-A294-614E-780425763AC2}"/>
-              </a:ext>
-            </a:extLst>
-          </p:cNvPr>
+          <p:cNvPr id="2" name="Title 1"/>
           <p:cNvSpPr>
             <a:spLocks noGrp="1"/>
           </p:cNvSpPr>
@@ -142,15 +141,15 @@
         </p:nvSpPr>
         <p:spPr>
           <a:xfrm>
-            <a:off x="1524000" y="1122363"/>
-            <a:ext cx="9144000" cy="2387600"/>
+            <a:off x="999054" y="1475959"/>
+            <a:ext cx="11322606" cy="3139805"/>
           </a:xfrm>
         </p:spPr>
         <p:txBody>
           <a:bodyPr anchor="b"/>
           <a:lstStyle>
             <a:lvl1pPr algn="ctr">
-              <a:defRPr sz="6000"/>
+              <a:defRPr sz="7890"/>
             </a:lvl1pPr>
           </a:lstStyle>
           <a:p>
@@ -158,19 +157,13 @@
               <a:rPr lang="en-US"/>
               <a:t>Click to edit Master title style</a:t>
             </a:r>
-            <a:endParaRPr lang="en-FI"/>
-          </a:p>
-        </p:txBody>
-      </p:sp>
-      <p:sp>
-        <p:nvSpPr>
-          <p:cNvPr id="3" name="Subtitle 2">
-            <a:extLst>
-              <a:ext uri="{FF2B5EF4-FFF2-40B4-BE49-F238E27FC236}">
-                <a16:creationId xmlns:a16="http://schemas.microsoft.com/office/drawing/2014/main" id="{93F18A11-6964-EC87-C64D-F07DAB839B6F}"/>
-              </a:ext>
-            </a:extLst>
-          </p:cNvPr>
+            <a:endParaRPr lang="en-US" dirty="0"/>
+          </a:p>
+        </p:txBody>
+      </p:sp>
+      <p:sp>
+        <p:nvSpPr>
+          <p:cNvPr id="3" name="Subtitle 2"/>
           <p:cNvSpPr>
             <a:spLocks noGrp="1"/>
           </p:cNvSpPr>
@@ -180,8 +173,8 @@
         </p:nvSpPr>
         <p:spPr>
           <a:xfrm>
-            <a:off x="1524000" y="3602038"/>
-            <a:ext cx="9144000" cy="1655762"/>
+            <a:off x="1665089" y="4736847"/>
+            <a:ext cx="9990535" cy="2177404"/>
           </a:xfrm>
         </p:spPr>
         <p:txBody>
@@ -189,39 +182,39 @@
           <a:lstStyle>
             <a:lvl1pPr marL="0" indent="0" algn="ctr">
               <a:buNone/>
-              <a:defRPr sz="2400"/>
+              <a:defRPr sz="3156"/>
             </a:lvl1pPr>
-            <a:lvl2pPr marL="457200" indent="0" algn="ctr">
-              <a:buNone/>
-              <a:defRPr sz="2000"/>
+            <a:lvl2pPr marL="601218" indent="0" algn="ctr">
+              <a:buNone/>
+              <a:defRPr sz="2630"/>
             </a:lvl2pPr>
-            <a:lvl3pPr marL="914400" indent="0" algn="ctr">
-              <a:buNone/>
-              <a:defRPr sz="1800"/>
+            <a:lvl3pPr marL="1202436" indent="0" algn="ctr">
+              <a:buNone/>
+              <a:defRPr sz="2367"/>
             </a:lvl3pPr>
-            <a:lvl4pPr marL="1371600" indent="0" algn="ctr">
-              <a:buNone/>
-              <a:defRPr sz="1600"/>
+            <a:lvl4pPr marL="1803654" indent="0" algn="ctr">
+              <a:buNone/>
+              <a:defRPr sz="2104"/>
             </a:lvl4pPr>
-            <a:lvl5pPr marL="1828800" indent="0" algn="ctr">
-              <a:buNone/>
-              <a:defRPr sz="1600"/>
+            <a:lvl5pPr marL="2404872" indent="0" algn="ctr">
+              <a:buNone/>
+              <a:defRPr sz="2104"/>
             </a:lvl5pPr>
-            <a:lvl6pPr marL="2286000" indent="0" algn="ctr">
-              <a:buNone/>
-              <a:defRPr sz="1600"/>
+            <a:lvl6pPr marL="3006090" indent="0" algn="ctr">
+              <a:buNone/>
+              <a:defRPr sz="2104"/>
             </a:lvl6pPr>
-            <a:lvl7pPr marL="2743200" indent="0" algn="ctr">
-              <a:buNone/>
-              <a:defRPr sz="1600"/>
+            <a:lvl7pPr marL="3607308" indent="0" algn="ctr">
+              <a:buNone/>
+              <a:defRPr sz="2104"/>
             </a:lvl7pPr>
-            <a:lvl8pPr marL="3200400" indent="0" algn="ctr">
-              <a:buNone/>
-              <a:defRPr sz="1600"/>
+            <a:lvl8pPr marL="4208526" indent="0" algn="ctr">
+              <a:buNone/>
+              <a:defRPr sz="2104"/>
             </a:lvl8pPr>
-            <a:lvl9pPr marL="3657600" indent="0" algn="ctr">
-              <a:buNone/>
-              <a:defRPr sz="1600"/>
+            <a:lvl9pPr marL="4809744" indent="0" algn="ctr">
+              <a:buNone/>
+              <a:defRPr sz="2104"/>
             </a:lvl9pPr>
           </a:lstStyle>
           <a:p>
@@ -229,19 +222,13 @@
               <a:rPr lang="en-US"/>
               <a:t>Click to edit Master subtitle style</a:t>
             </a:r>
-            <a:endParaRPr lang="en-FI"/>
-          </a:p>
-        </p:txBody>
-      </p:sp>
-      <p:sp>
-        <p:nvSpPr>
-          <p:cNvPr id="4" name="Date Placeholder 3">
-            <a:extLst>
-              <a:ext uri="{FF2B5EF4-FFF2-40B4-BE49-F238E27FC236}">
-                <a16:creationId xmlns:a16="http://schemas.microsoft.com/office/drawing/2014/main" id="{BF22802F-DAFE-81FB-EA39-38E7E0D29E16}"/>
-              </a:ext>
-            </a:extLst>
-          </p:cNvPr>
+            <a:endParaRPr lang="en-US" dirty="0"/>
+          </a:p>
+        </p:txBody>
+      </p:sp>
+      <p:sp>
+        <p:nvSpPr>
+          <p:cNvPr id="4" name="Date Placeholder 3"/>
           <p:cNvSpPr>
             <a:spLocks noGrp="1"/>
           </p:cNvSpPr>
@@ -256,7 +243,7 @@
           <a:p>
             <a:fld id="{3AEECB1E-8F43-4310-8D22-D4EEFFC640B9}" type="datetimeFigureOut">
               <a:rPr lang="en-FI" smtClean="0"/>
-              <a:t>02/09/2022</a:t>
+              <a:t>09/05/2022</a:t>
             </a:fld>
             <a:endParaRPr lang="en-FI"/>
           </a:p>
@@ -264,13 +251,7 @@
       </p:sp>
       <p:sp>
         <p:nvSpPr>
-          <p:cNvPr id="5" name="Footer Placeholder 4">
-            <a:extLst>
-              <a:ext uri="{FF2B5EF4-FFF2-40B4-BE49-F238E27FC236}">
-                <a16:creationId xmlns:a16="http://schemas.microsoft.com/office/drawing/2014/main" id="{AF68E4BC-187D-E275-7B62-34F46F7F7902}"/>
-              </a:ext>
-            </a:extLst>
-          </p:cNvPr>
+          <p:cNvPr id="5" name="Footer Placeholder 4"/>
           <p:cNvSpPr>
             <a:spLocks noGrp="1"/>
           </p:cNvSpPr>
@@ -289,13 +270,7 @@
       </p:sp>
       <p:sp>
         <p:nvSpPr>
-          <p:cNvPr id="6" name="Slide Number Placeholder 5">
-            <a:extLst>
-              <a:ext uri="{FF2B5EF4-FFF2-40B4-BE49-F238E27FC236}">
-                <a16:creationId xmlns:a16="http://schemas.microsoft.com/office/drawing/2014/main" id="{C0E40087-2068-F85D-35CD-63F3F017A2C8}"/>
-              </a:ext>
-            </a:extLst>
-          </p:cNvPr>
+          <p:cNvPr id="6" name="Slide Number Placeholder 5"/>
           <p:cNvSpPr>
             <a:spLocks noGrp="1"/>
           </p:cNvSpPr>
@@ -319,7 +294,7 @@
     </p:spTree>
     <p:extLst>
       <p:ext uri="{BB962C8B-B14F-4D97-AF65-F5344CB8AC3E}">
-        <p14:creationId xmlns:p14="http://schemas.microsoft.com/office/powerpoint/2010/main" val="1698784519"/>
+        <p14:creationId xmlns:p14="http://schemas.microsoft.com/office/powerpoint/2010/main" val="2293471933"/>
       </p:ext>
     </p:extLst>
   </p:cSld>
@@ -348,13 +323,7 @@
       </p:grpSpPr>
       <p:sp>
         <p:nvSpPr>
-          <p:cNvPr id="2" name="Title 1">
-            <a:extLst>
-              <a:ext uri="{FF2B5EF4-FFF2-40B4-BE49-F238E27FC236}">
-                <a16:creationId xmlns:a16="http://schemas.microsoft.com/office/drawing/2014/main" id="{602D2F3D-187D-0D7C-5C63-BB081F72E041}"/>
-              </a:ext>
-            </a:extLst>
-          </p:cNvPr>
+          <p:cNvPr id="2" name="Title 1"/>
           <p:cNvSpPr>
             <a:spLocks noGrp="1"/>
           </p:cNvSpPr>
@@ -371,19 +340,13 @@
               <a:rPr lang="en-US"/>
               <a:t>Click to edit Master title style</a:t>
             </a:r>
-            <a:endParaRPr lang="en-FI"/>
-          </a:p>
-        </p:txBody>
-      </p:sp>
-      <p:sp>
-        <p:nvSpPr>
-          <p:cNvPr id="3" name="Vertical Text Placeholder 2">
-            <a:extLst>
-              <a:ext uri="{FF2B5EF4-FFF2-40B4-BE49-F238E27FC236}">
-                <a16:creationId xmlns:a16="http://schemas.microsoft.com/office/drawing/2014/main" id="{CFDA6E78-C084-6DC8-B0D0-FB0F3FB4CFAC}"/>
-              </a:ext>
-            </a:extLst>
-          </p:cNvPr>
+            <a:endParaRPr lang="en-US" dirty="0"/>
+          </a:p>
+        </p:txBody>
+      </p:sp>
+      <p:sp>
+        <p:nvSpPr>
+          <p:cNvPr id="3" name="Vertical Text Placeholder 2"/>
           <p:cNvSpPr>
             <a:spLocks noGrp="1"/>
           </p:cNvSpPr>
@@ -429,19 +392,13 @@
               <a:rPr lang="en-US"/>
               <a:t>Fifth level</a:t>
             </a:r>
-            <a:endParaRPr lang="en-FI"/>
-          </a:p>
-        </p:txBody>
-      </p:sp>
-      <p:sp>
-        <p:nvSpPr>
-          <p:cNvPr id="4" name="Date Placeholder 3">
-            <a:extLst>
-              <a:ext uri="{FF2B5EF4-FFF2-40B4-BE49-F238E27FC236}">
-                <a16:creationId xmlns:a16="http://schemas.microsoft.com/office/drawing/2014/main" id="{071D10CF-5540-60A9-26AE-A82030A8F9A3}"/>
-              </a:ext>
-            </a:extLst>
-          </p:cNvPr>
+            <a:endParaRPr lang="en-US" dirty="0"/>
+          </a:p>
+        </p:txBody>
+      </p:sp>
+      <p:sp>
+        <p:nvSpPr>
+          <p:cNvPr id="4" name="Date Placeholder 3"/>
           <p:cNvSpPr>
             <a:spLocks noGrp="1"/>
           </p:cNvSpPr>
@@ -456,7 +413,7 @@
           <a:p>
             <a:fld id="{3AEECB1E-8F43-4310-8D22-D4EEFFC640B9}" type="datetimeFigureOut">
               <a:rPr lang="en-FI" smtClean="0"/>
-              <a:t>02/09/2022</a:t>
+              <a:t>09/05/2022</a:t>
             </a:fld>
             <a:endParaRPr lang="en-FI"/>
           </a:p>
@@ -464,13 +421,7 @@
       </p:sp>
       <p:sp>
         <p:nvSpPr>
-          <p:cNvPr id="5" name="Footer Placeholder 4">
-            <a:extLst>
-              <a:ext uri="{FF2B5EF4-FFF2-40B4-BE49-F238E27FC236}">
-                <a16:creationId xmlns:a16="http://schemas.microsoft.com/office/drawing/2014/main" id="{B62AC5B5-F328-D72B-66C8-452CE2571279}"/>
-              </a:ext>
-            </a:extLst>
-          </p:cNvPr>
+          <p:cNvPr id="5" name="Footer Placeholder 4"/>
           <p:cNvSpPr>
             <a:spLocks noGrp="1"/>
           </p:cNvSpPr>
@@ -489,13 +440,7 @@
       </p:sp>
       <p:sp>
         <p:nvSpPr>
-          <p:cNvPr id="6" name="Slide Number Placeholder 5">
-            <a:extLst>
-              <a:ext uri="{FF2B5EF4-FFF2-40B4-BE49-F238E27FC236}">
-                <a16:creationId xmlns:a16="http://schemas.microsoft.com/office/drawing/2014/main" id="{78C6A060-3B06-EE2F-24DC-98B644677C4B}"/>
-              </a:ext>
-            </a:extLst>
-          </p:cNvPr>
+          <p:cNvPr id="6" name="Slide Number Placeholder 5"/>
           <p:cNvSpPr>
             <a:spLocks noGrp="1"/>
           </p:cNvSpPr>
@@ -519,7 +464,7 @@
     </p:spTree>
     <p:extLst>
       <p:ext uri="{BB962C8B-B14F-4D97-AF65-F5344CB8AC3E}">
-        <p14:creationId xmlns:p14="http://schemas.microsoft.com/office/powerpoint/2010/main" val="148732033"/>
+        <p14:creationId xmlns:p14="http://schemas.microsoft.com/office/powerpoint/2010/main" val="707324248"/>
       </p:ext>
     </p:extLst>
   </p:cSld>
@@ -548,13 +493,7 @@
       </p:grpSpPr>
       <p:sp>
         <p:nvSpPr>
-          <p:cNvPr id="2" name="Vertical Title 1">
-            <a:extLst>
-              <a:ext uri="{FF2B5EF4-FFF2-40B4-BE49-F238E27FC236}">
-                <a16:creationId xmlns:a16="http://schemas.microsoft.com/office/drawing/2014/main" id="{C0F9E6E7-F406-DF77-4CC4-0E28CFC3B094}"/>
-              </a:ext>
-            </a:extLst>
-          </p:cNvPr>
+          <p:cNvPr id="2" name="Vertical Title 1"/>
           <p:cNvSpPr>
             <a:spLocks noGrp="1"/>
           </p:cNvSpPr>
@@ -564,8 +503,8 @@
         </p:nvSpPr>
         <p:spPr>
           <a:xfrm>
-            <a:off x="8724900" y="365125"/>
-            <a:ext cx="2628900" cy="5811838"/>
+            <a:off x="9532636" y="480157"/>
+            <a:ext cx="2872279" cy="7642836"/>
           </a:xfrm>
         </p:spPr>
         <p:txBody>
@@ -576,19 +515,13 @@
               <a:rPr lang="en-US"/>
               <a:t>Click to edit Master title style</a:t>
             </a:r>
-            <a:endParaRPr lang="en-FI"/>
-          </a:p>
-        </p:txBody>
-      </p:sp>
-      <p:sp>
-        <p:nvSpPr>
-          <p:cNvPr id="3" name="Vertical Text Placeholder 2">
-            <a:extLst>
-              <a:ext uri="{FF2B5EF4-FFF2-40B4-BE49-F238E27FC236}">
-                <a16:creationId xmlns:a16="http://schemas.microsoft.com/office/drawing/2014/main" id="{A3D20F63-D47E-4B59-B4EB-350AF8891143}"/>
-              </a:ext>
-            </a:extLst>
-          </p:cNvPr>
+            <a:endParaRPr lang="en-US" dirty="0"/>
+          </a:p>
+        </p:txBody>
+      </p:sp>
+      <p:sp>
+        <p:nvSpPr>
+          <p:cNvPr id="3" name="Vertical Text Placeholder 2"/>
           <p:cNvSpPr>
             <a:spLocks noGrp="1"/>
           </p:cNvSpPr>
@@ -598,8 +531,8 @@
         </p:nvSpPr>
         <p:spPr>
           <a:xfrm>
-            <a:off x="838200" y="365125"/>
-            <a:ext cx="7734300" cy="5811838"/>
+            <a:off x="915800" y="480157"/>
+            <a:ext cx="8450327" cy="7642836"/>
           </a:xfrm>
         </p:spPr>
         <p:txBody>
@@ -639,19 +572,13 @@
               <a:rPr lang="en-US"/>
               <a:t>Fifth level</a:t>
             </a:r>
-            <a:endParaRPr lang="en-FI"/>
-          </a:p>
-        </p:txBody>
-      </p:sp>
-      <p:sp>
-        <p:nvSpPr>
-          <p:cNvPr id="4" name="Date Placeholder 3">
-            <a:extLst>
-              <a:ext uri="{FF2B5EF4-FFF2-40B4-BE49-F238E27FC236}">
-                <a16:creationId xmlns:a16="http://schemas.microsoft.com/office/drawing/2014/main" id="{E6E74649-5D1D-DA2D-D175-F9AFDCF07E77}"/>
-              </a:ext>
-            </a:extLst>
-          </p:cNvPr>
+            <a:endParaRPr lang="en-US" dirty="0"/>
+          </a:p>
+        </p:txBody>
+      </p:sp>
+      <p:sp>
+        <p:nvSpPr>
+          <p:cNvPr id="4" name="Date Placeholder 3"/>
           <p:cNvSpPr>
             <a:spLocks noGrp="1"/>
           </p:cNvSpPr>
@@ -666,7 +593,7 @@
           <a:p>
             <a:fld id="{3AEECB1E-8F43-4310-8D22-D4EEFFC640B9}" type="datetimeFigureOut">
               <a:rPr lang="en-FI" smtClean="0"/>
-              <a:t>02/09/2022</a:t>
+              <a:t>09/05/2022</a:t>
             </a:fld>
             <a:endParaRPr lang="en-FI"/>
           </a:p>
@@ -674,13 +601,7 @@
       </p:sp>
       <p:sp>
         <p:nvSpPr>
-          <p:cNvPr id="5" name="Footer Placeholder 4">
-            <a:extLst>
-              <a:ext uri="{FF2B5EF4-FFF2-40B4-BE49-F238E27FC236}">
-                <a16:creationId xmlns:a16="http://schemas.microsoft.com/office/drawing/2014/main" id="{0DAEE9E3-9C97-BAF4-BC23-A644580D8D77}"/>
-              </a:ext>
-            </a:extLst>
-          </p:cNvPr>
+          <p:cNvPr id="5" name="Footer Placeholder 4"/>
           <p:cNvSpPr>
             <a:spLocks noGrp="1"/>
           </p:cNvSpPr>
@@ -699,13 +620,7 @@
       </p:sp>
       <p:sp>
         <p:nvSpPr>
-          <p:cNvPr id="6" name="Slide Number Placeholder 5">
-            <a:extLst>
-              <a:ext uri="{FF2B5EF4-FFF2-40B4-BE49-F238E27FC236}">
-                <a16:creationId xmlns:a16="http://schemas.microsoft.com/office/drawing/2014/main" id="{AC897C67-1B79-BDC4-5096-059B8C092407}"/>
-              </a:ext>
-            </a:extLst>
-          </p:cNvPr>
+          <p:cNvPr id="6" name="Slide Number Placeholder 5"/>
           <p:cNvSpPr>
             <a:spLocks noGrp="1"/>
           </p:cNvSpPr>
@@ -729,7 +644,7 @@
     </p:spTree>
     <p:extLst>
       <p:ext uri="{BB962C8B-B14F-4D97-AF65-F5344CB8AC3E}">
-        <p14:creationId xmlns:p14="http://schemas.microsoft.com/office/powerpoint/2010/main" val="3353254635"/>
+        <p14:creationId xmlns:p14="http://schemas.microsoft.com/office/powerpoint/2010/main" val="4187902748"/>
       </p:ext>
     </p:extLst>
   </p:cSld>
@@ -758,13 +673,7 @@
       </p:grpSpPr>
       <p:sp>
         <p:nvSpPr>
-          <p:cNvPr id="2" name="Title 1">
-            <a:extLst>
-              <a:ext uri="{FF2B5EF4-FFF2-40B4-BE49-F238E27FC236}">
-                <a16:creationId xmlns:a16="http://schemas.microsoft.com/office/drawing/2014/main" id="{FA43EB3B-527A-2CFF-7C71-9E37320FAD6B}"/>
-              </a:ext>
-            </a:extLst>
-          </p:cNvPr>
+          <p:cNvPr id="2" name="Title 1"/>
           <p:cNvSpPr>
             <a:spLocks noGrp="1"/>
           </p:cNvSpPr>
@@ -781,19 +690,13 @@
               <a:rPr lang="en-US"/>
               <a:t>Click to edit Master title style</a:t>
             </a:r>
-            <a:endParaRPr lang="en-FI"/>
-          </a:p>
-        </p:txBody>
-      </p:sp>
-      <p:sp>
-        <p:nvSpPr>
-          <p:cNvPr id="3" name="Content Placeholder 2">
-            <a:extLst>
-              <a:ext uri="{FF2B5EF4-FFF2-40B4-BE49-F238E27FC236}">
-                <a16:creationId xmlns:a16="http://schemas.microsoft.com/office/drawing/2014/main" id="{E3184E48-CC20-4416-3BF9-3E7075577966}"/>
-              </a:ext>
-            </a:extLst>
-          </p:cNvPr>
+            <a:endParaRPr lang="en-US" dirty="0"/>
+          </a:p>
+        </p:txBody>
+      </p:sp>
+      <p:sp>
+        <p:nvSpPr>
+          <p:cNvPr id="3" name="Content Placeholder 2"/>
           <p:cNvSpPr>
             <a:spLocks noGrp="1"/>
           </p:cNvSpPr>
@@ -839,19 +742,13 @@
               <a:rPr lang="en-US"/>
               <a:t>Fifth level</a:t>
             </a:r>
-            <a:endParaRPr lang="en-FI"/>
-          </a:p>
-        </p:txBody>
-      </p:sp>
-      <p:sp>
-        <p:nvSpPr>
-          <p:cNvPr id="4" name="Date Placeholder 3">
-            <a:extLst>
-              <a:ext uri="{FF2B5EF4-FFF2-40B4-BE49-F238E27FC236}">
-                <a16:creationId xmlns:a16="http://schemas.microsoft.com/office/drawing/2014/main" id="{890C162B-89DB-F71A-2D9B-7E934E2962AE}"/>
-              </a:ext>
-            </a:extLst>
-          </p:cNvPr>
+            <a:endParaRPr lang="en-US" dirty="0"/>
+          </a:p>
+        </p:txBody>
+      </p:sp>
+      <p:sp>
+        <p:nvSpPr>
+          <p:cNvPr id="4" name="Date Placeholder 3"/>
           <p:cNvSpPr>
             <a:spLocks noGrp="1"/>
           </p:cNvSpPr>
@@ -866,7 +763,7 @@
           <a:p>
             <a:fld id="{3AEECB1E-8F43-4310-8D22-D4EEFFC640B9}" type="datetimeFigureOut">
               <a:rPr lang="en-FI" smtClean="0"/>
-              <a:t>02/09/2022</a:t>
+              <a:t>09/05/2022</a:t>
             </a:fld>
             <a:endParaRPr lang="en-FI"/>
           </a:p>
@@ -874,13 +771,7 @@
       </p:sp>
       <p:sp>
         <p:nvSpPr>
-          <p:cNvPr id="5" name="Footer Placeholder 4">
-            <a:extLst>
-              <a:ext uri="{FF2B5EF4-FFF2-40B4-BE49-F238E27FC236}">
-                <a16:creationId xmlns:a16="http://schemas.microsoft.com/office/drawing/2014/main" id="{22A75E1B-D6B0-D92E-CBCC-E572D23448ED}"/>
-              </a:ext>
-            </a:extLst>
-          </p:cNvPr>
+          <p:cNvPr id="5" name="Footer Placeholder 4"/>
           <p:cNvSpPr>
             <a:spLocks noGrp="1"/>
           </p:cNvSpPr>
@@ -899,13 +790,7 @@
       </p:sp>
       <p:sp>
         <p:nvSpPr>
-          <p:cNvPr id="6" name="Slide Number Placeholder 5">
-            <a:extLst>
-              <a:ext uri="{FF2B5EF4-FFF2-40B4-BE49-F238E27FC236}">
-                <a16:creationId xmlns:a16="http://schemas.microsoft.com/office/drawing/2014/main" id="{5897D433-A2E4-6D79-6B24-9D226F96EFBC}"/>
-              </a:ext>
-            </a:extLst>
-          </p:cNvPr>
+          <p:cNvPr id="6" name="Slide Number Placeholder 5"/>
           <p:cNvSpPr>
             <a:spLocks noGrp="1"/>
           </p:cNvSpPr>
@@ -929,7 +814,7 @@
     </p:spTree>
     <p:extLst>
       <p:ext uri="{BB962C8B-B14F-4D97-AF65-F5344CB8AC3E}">
-        <p14:creationId xmlns:p14="http://schemas.microsoft.com/office/powerpoint/2010/main" val="1570967538"/>
+        <p14:creationId xmlns:p14="http://schemas.microsoft.com/office/powerpoint/2010/main" val="3665272172"/>
       </p:ext>
     </p:extLst>
   </p:cSld>
@@ -958,13 +843,7 @@
       </p:grpSpPr>
       <p:sp>
         <p:nvSpPr>
-          <p:cNvPr id="2" name="Title 1">
-            <a:extLst>
-              <a:ext uri="{FF2B5EF4-FFF2-40B4-BE49-F238E27FC236}">
-                <a16:creationId xmlns:a16="http://schemas.microsoft.com/office/drawing/2014/main" id="{9F5E5443-72F4-CF9B-EB73-9458C73FA342}"/>
-              </a:ext>
-            </a:extLst>
-          </p:cNvPr>
+          <p:cNvPr id="2" name="Title 1"/>
           <p:cNvSpPr>
             <a:spLocks noGrp="1"/>
           </p:cNvSpPr>
@@ -974,15 +853,15 @@
         </p:nvSpPr>
         <p:spPr>
           <a:xfrm>
-            <a:off x="831850" y="1709738"/>
-            <a:ext cx="10515600" cy="2852737"/>
+            <a:off x="908862" y="2248387"/>
+            <a:ext cx="11489115" cy="3751481"/>
           </a:xfrm>
         </p:spPr>
         <p:txBody>
           <a:bodyPr anchor="b"/>
           <a:lstStyle>
             <a:lvl1pPr>
-              <a:defRPr sz="6000"/>
+              <a:defRPr sz="7890"/>
             </a:lvl1pPr>
           </a:lstStyle>
           <a:p>
@@ -990,19 +869,13 @@
               <a:rPr lang="en-US"/>
               <a:t>Click to edit Master title style</a:t>
             </a:r>
-            <a:endParaRPr lang="en-FI"/>
-          </a:p>
-        </p:txBody>
-      </p:sp>
-      <p:sp>
-        <p:nvSpPr>
-          <p:cNvPr id="3" name="Text Placeholder 2">
-            <a:extLst>
-              <a:ext uri="{FF2B5EF4-FFF2-40B4-BE49-F238E27FC236}">
-                <a16:creationId xmlns:a16="http://schemas.microsoft.com/office/drawing/2014/main" id="{20B4B9A1-4911-4FA1-2C04-ADEF6BAE5141}"/>
-              </a:ext>
-            </a:extLst>
-          </p:cNvPr>
+            <a:endParaRPr lang="en-US" dirty="0"/>
+          </a:p>
+        </p:txBody>
+      </p:sp>
+      <p:sp>
+        <p:nvSpPr>
+          <p:cNvPr id="3" name="Text Placeholder 2"/>
           <p:cNvSpPr>
             <a:spLocks noGrp="1"/>
           </p:cNvSpPr>
@@ -1012,8 +885,8 @@
         </p:nvSpPr>
         <p:spPr>
           <a:xfrm>
-            <a:off x="831850" y="4589463"/>
-            <a:ext cx="10515600" cy="1500187"/>
+            <a:off x="908862" y="6035359"/>
+            <a:ext cx="11489115" cy="1972815"/>
           </a:xfrm>
         </p:spPr>
         <p:txBody>
@@ -1021,17 +894,15 @@
           <a:lstStyle>
             <a:lvl1pPr marL="0" indent="0">
               <a:buNone/>
-              <a:defRPr sz="2400">
+              <a:defRPr sz="3156">
                 <a:solidFill>
-                  <a:schemeClr val="tx1">
-                    <a:tint val="75000"/>
-                  </a:schemeClr>
+                  <a:schemeClr val="tx1"/>
                 </a:solidFill>
               </a:defRPr>
             </a:lvl1pPr>
-            <a:lvl2pPr marL="457200" indent="0">
-              <a:buNone/>
-              <a:defRPr sz="2000">
+            <a:lvl2pPr marL="601218" indent="0">
+              <a:buNone/>
+              <a:defRPr sz="2630">
                 <a:solidFill>
                   <a:schemeClr val="tx1">
                     <a:tint val="75000"/>
@@ -1039,9 +910,9 @@
                 </a:solidFill>
               </a:defRPr>
             </a:lvl2pPr>
-            <a:lvl3pPr marL="914400" indent="0">
-              <a:buNone/>
-              <a:defRPr sz="1800">
+            <a:lvl3pPr marL="1202436" indent="0">
+              <a:buNone/>
+              <a:defRPr sz="2367">
                 <a:solidFill>
                   <a:schemeClr val="tx1">
                     <a:tint val="75000"/>
@@ -1049,9 +920,9 @@
                 </a:solidFill>
               </a:defRPr>
             </a:lvl3pPr>
-            <a:lvl4pPr marL="1371600" indent="0">
-              <a:buNone/>
-              <a:defRPr sz="1600">
+            <a:lvl4pPr marL="1803654" indent="0">
+              <a:buNone/>
+              <a:defRPr sz="2104">
                 <a:solidFill>
                   <a:schemeClr val="tx1">
                     <a:tint val="75000"/>
@@ -1059,9 +930,9 @@
                 </a:solidFill>
               </a:defRPr>
             </a:lvl4pPr>
-            <a:lvl5pPr marL="1828800" indent="0">
-              <a:buNone/>
-              <a:defRPr sz="1600">
+            <a:lvl5pPr marL="2404872" indent="0">
+              <a:buNone/>
+              <a:defRPr sz="2104">
                 <a:solidFill>
                   <a:schemeClr val="tx1">
                     <a:tint val="75000"/>
@@ -1069,9 +940,9 @@
                 </a:solidFill>
               </a:defRPr>
             </a:lvl5pPr>
-            <a:lvl6pPr marL="2286000" indent="0">
-              <a:buNone/>
-              <a:defRPr sz="1600">
+            <a:lvl6pPr marL="3006090" indent="0">
+              <a:buNone/>
+              <a:defRPr sz="2104">
                 <a:solidFill>
                   <a:schemeClr val="tx1">
                     <a:tint val="75000"/>
@@ -1079,9 +950,9 @@
                 </a:solidFill>
               </a:defRPr>
             </a:lvl6pPr>
-            <a:lvl7pPr marL="2743200" indent="0">
-              <a:buNone/>
-              <a:defRPr sz="1600">
+            <a:lvl7pPr marL="3607308" indent="0">
+              <a:buNone/>
+              <a:defRPr sz="2104">
                 <a:solidFill>
                   <a:schemeClr val="tx1">
                     <a:tint val="75000"/>
@@ -1089,9 +960,9 @@
                 </a:solidFill>
               </a:defRPr>
             </a:lvl7pPr>
-            <a:lvl8pPr marL="3200400" indent="0">
-              <a:buNone/>
-              <a:defRPr sz="1600">
+            <a:lvl8pPr marL="4208526" indent="0">
+              <a:buNone/>
+              <a:defRPr sz="2104">
                 <a:solidFill>
                   <a:schemeClr val="tx1">
                     <a:tint val="75000"/>
@@ -1099,9 +970,9 @@
                 </a:solidFill>
               </a:defRPr>
             </a:lvl8pPr>
-            <a:lvl9pPr marL="3657600" indent="0">
-              <a:buNone/>
-              <a:defRPr sz="1600">
+            <a:lvl9pPr marL="4809744" indent="0">
+              <a:buNone/>
+              <a:defRPr sz="2104">
                 <a:solidFill>
                   <a:schemeClr val="tx1">
                     <a:tint val="75000"/>
@@ -1121,13 +992,7 @@
       </p:sp>
       <p:sp>
         <p:nvSpPr>
-          <p:cNvPr id="4" name="Date Placeholder 3">
-            <a:extLst>
-              <a:ext uri="{FF2B5EF4-FFF2-40B4-BE49-F238E27FC236}">
-                <a16:creationId xmlns:a16="http://schemas.microsoft.com/office/drawing/2014/main" id="{A789CA5E-0123-F59D-1951-625ADAE63D84}"/>
-              </a:ext>
-            </a:extLst>
-          </p:cNvPr>
+          <p:cNvPr id="4" name="Date Placeholder 3"/>
           <p:cNvSpPr>
             <a:spLocks noGrp="1"/>
           </p:cNvSpPr>
@@ -1142,7 +1007,7 @@
           <a:p>
             <a:fld id="{3AEECB1E-8F43-4310-8D22-D4EEFFC640B9}" type="datetimeFigureOut">
               <a:rPr lang="en-FI" smtClean="0"/>
-              <a:t>02/09/2022</a:t>
+              <a:t>09/05/2022</a:t>
             </a:fld>
             <a:endParaRPr lang="en-FI"/>
           </a:p>
@@ -1150,13 +1015,7 @@
       </p:sp>
       <p:sp>
         <p:nvSpPr>
-          <p:cNvPr id="5" name="Footer Placeholder 4">
-            <a:extLst>
-              <a:ext uri="{FF2B5EF4-FFF2-40B4-BE49-F238E27FC236}">
-                <a16:creationId xmlns:a16="http://schemas.microsoft.com/office/drawing/2014/main" id="{5DF81357-42D4-A475-A7C0-76A9778556C9}"/>
-              </a:ext>
-            </a:extLst>
-          </p:cNvPr>
+          <p:cNvPr id="5" name="Footer Placeholder 4"/>
           <p:cNvSpPr>
             <a:spLocks noGrp="1"/>
           </p:cNvSpPr>
@@ -1175,13 +1034,7 @@
       </p:sp>
       <p:sp>
         <p:nvSpPr>
-          <p:cNvPr id="6" name="Slide Number Placeholder 5">
-            <a:extLst>
-              <a:ext uri="{FF2B5EF4-FFF2-40B4-BE49-F238E27FC236}">
-                <a16:creationId xmlns:a16="http://schemas.microsoft.com/office/drawing/2014/main" id="{4448279F-8742-78A1-D499-7DE65D6AFD17}"/>
-              </a:ext>
-            </a:extLst>
-          </p:cNvPr>
+          <p:cNvPr id="6" name="Slide Number Placeholder 5"/>
           <p:cNvSpPr>
             <a:spLocks noGrp="1"/>
           </p:cNvSpPr>
@@ -1205,7 +1058,7 @@
     </p:spTree>
     <p:extLst>
       <p:ext uri="{BB962C8B-B14F-4D97-AF65-F5344CB8AC3E}">
-        <p14:creationId xmlns:p14="http://schemas.microsoft.com/office/powerpoint/2010/main" val="1893100570"/>
+        <p14:creationId xmlns:p14="http://schemas.microsoft.com/office/powerpoint/2010/main" val="1108089185"/>
       </p:ext>
     </p:extLst>
   </p:cSld>
@@ -1234,13 +1087,7 @@
       </p:grpSpPr>
       <p:sp>
         <p:nvSpPr>
-          <p:cNvPr id="2" name="Title 1">
-            <a:extLst>
-              <a:ext uri="{FF2B5EF4-FFF2-40B4-BE49-F238E27FC236}">
-                <a16:creationId xmlns:a16="http://schemas.microsoft.com/office/drawing/2014/main" id="{A9A789F4-CDAC-65D4-9E4C-047FC484096A}"/>
-              </a:ext>
-            </a:extLst>
-          </p:cNvPr>
+          <p:cNvPr id="2" name="Title 1"/>
           <p:cNvSpPr>
             <a:spLocks noGrp="1"/>
           </p:cNvSpPr>
@@ -1257,19 +1104,13 @@
               <a:rPr lang="en-US"/>
               <a:t>Click to edit Master title style</a:t>
             </a:r>
-            <a:endParaRPr lang="en-FI"/>
-          </a:p>
-        </p:txBody>
-      </p:sp>
-      <p:sp>
-        <p:nvSpPr>
-          <p:cNvPr id="3" name="Content Placeholder 2">
-            <a:extLst>
-              <a:ext uri="{FF2B5EF4-FFF2-40B4-BE49-F238E27FC236}">
-                <a16:creationId xmlns:a16="http://schemas.microsoft.com/office/drawing/2014/main" id="{C49BB99C-FDA3-1386-257D-198A588F34E2}"/>
-              </a:ext>
-            </a:extLst>
-          </p:cNvPr>
+            <a:endParaRPr lang="en-US" dirty="0"/>
+          </a:p>
+        </p:txBody>
+      </p:sp>
+      <p:sp>
+        <p:nvSpPr>
+          <p:cNvPr id="3" name="Content Placeholder 2"/>
           <p:cNvSpPr>
             <a:spLocks noGrp="1"/>
           </p:cNvSpPr>
@@ -1279,8 +1120,8 @@
         </p:nvSpPr>
         <p:spPr>
           <a:xfrm>
-            <a:off x="838200" y="1825625"/>
-            <a:ext cx="5181600" cy="4351338"/>
+            <a:off x="915799" y="2400782"/>
+            <a:ext cx="5661303" cy="5722211"/>
           </a:xfrm>
         </p:spPr>
         <p:txBody>
@@ -1320,19 +1161,13 @@
               <a:rPr lang="en-US"/>
               <a:t>Fifth level</a:t>
             </a:r>
-            <a:endParaRPr lang="en-FI"/>
-          </a:p>
-        </p:txBody>
-      </p:sp>
-      <p:sp>
-        <p:nvSpPr>
-          <p:cNvPr id="4" name="Content Placeholder 3">
-            <a:extLst>
-              <a:ext uri="{FF2B5EF4-FFF2-40B4-BE49-F238E27FC236}">
-                <a16:creationId xmlns:a16="http://schemas.microsoft.com/office/drawing/2014/main" id="{7FA9BFF9-C522-AEC3-9081-5D4A4A0EA692}"/>
-              </a:ext>
-            </a:extLst>
-          </p:cNvPr>
+            <a:endParaRPr lang="en-US" dirty="0"/>
+          </a:p>
+        </p:txBody>
+      </p:sp>
+      <p:sp>
+        <p:nvSpPr>
+          <p:cNvPr id="4" name="Content Placeholder 3"/>
           <p:cNvSpPr>
             <a:spLocks noGrp="1"/>
           </p:cNvSpPr>
@@ -1342,8 +1177,8 @@
         </p:nvSpPr>
         <p:spPr>
           <a:xfrm>
-            <a:off x="6172200" y="1825625"/>
-            <a:ext cx="5181600" cy="4351338"/>
+            <a:off x="6743611" y="2400782"/>
+            <a:ext cx="5661303" cy="5722211"/>
           </a:xfrm>
         </p:spPr>
         <p:txBody>
@@ -1383,19 +1218,13 @@
               <a:rPr lang="en-US"/>
               <a:t>Fifth level</a:t>
             </a:r>
-            <a:endParaRPr lang="en-FI"/>
-          </a:p>
-        </p:txBody>
-      </p:sp>
-      <p:sp>
-        <p:nvSpPr>
-          <p:cNvPr id="5" name="Date Placeholder 4">
-            <a:extLst>
-              <a:ext uri="{FF2B5EF4-FFF2-40B4-BE49-F238E27FC236}">
-                <a16:creationId xmlns:a16="http://schemas.microsoft.com/office/drawing/2014/main" id="{A4D39120-29BD-0DEC-2D9B-9017D22FE077}"/>
-              </a:ext>
-            </a:extLst>
-          </p:cNvPr>
+            <a:endParaRPr lang="en-US" dirty="0"/>
+          </a:p>
+        </p:txBody>
+      </p:sp>
+      <p:sp>
+        <p:nvSpPr>
+          <p:cNvPr id="5" name="Date Placeholder 4"/>
           <p:cNvSpPr>
             <a:spLocks noGrp="1"/>
           </p:cNvSpPr>
@@ -1410,7 +1239,7 @@
           <a:p>
             <a:fld id="{3AEECB1E-8F43-4310-8D22-D4EEFFC640B9}" type="datetimeFigureOut">
               <a:rPr lang="en-FI" smtClean="0"/>
-              <a:t>02/09/2022</a:t>
+              <a:t>09/05/2022</a:t>
             </a:fld>
             <a:endParaRPr lang="en-FI"/>
           </a:p>
@@ -1418,13 +1247,7 @@
       </p:sp>
       <p:sp>
         <p:nvSpPr>
-          <p:cNvPr id="6" name="Footer Placeholder 5">
-            <a:extLst>
-              <a:ext uri="{FF2B5EF4-FFF2-40B4-BE49-F238E27FC236}">
-                <a16:creationId xmlns:a16="http://schemas.microsoft.com/office/drawing/2014/main" id="{51A24826-BE49-005E-BFC2-D772B4754E58}"/>
-              </a:ext>
-            </a:extLst>
-          </p:cNvPr>
+          <p:cNvPr id="6" name="Footer Placeholder 5"/>
           <p:cNvSpPr>
             <a:spLocks noGrp="1"/>
           </p:cNvSpPr>
@@ -1443,13 +1266,7 @@
       </p:sp>
       <p:sp>
         <p:nvSpPr>
-          <p:cNvPr id="7" name="Slide Number Placeholder 6">
-            <a:extLst>
-              <a:ext uri="{FF2B5EF4-FFF2-40B4-BE49-F238E27FC236}">
-                <a16:creationId xmlns:a16="http://schemas.microsoft.com/office/drawing/2014/main" id="{646A81A4-FA11-2D0D-630F-33F79146CE33}"/>
-              </a:ext>
-            </a:extLst>
-          </p:cNvPr>
+          <p:cNvPr id="7" name="Slide Number Placeholder 6"/>
           <p:cNvSpPr>
             <a:spLocks noGrp="1"/>
           </p:cNvSpPr>
@@ -1473,7 +1290,7 @@
     </p:spTree>
     <p:extLst>
       <p:ext uri="{BB962C8B-B14F-4D97-AF65-F5344CB8AC3E}">
-        <p14:creationId xmlns:p14="http://schemas.microsoft.com/office/powerpoint/2010/main" val="1741631146"/>
+        <p14:creationId xmlns:p14="http://schemas.microsoft.com/office/powerpoint/2010/main" val="595697373"/>
       </p:ext>
     </p:extLst>
   </p:cSld>
@@ -1502,13 +1319,7 @@
       </p:grpSpPr>
       <p:sp>
         <p:nvSpPr>
-          <p:cNvPr id="2" name="Title 1">
-            <a:extLst>
-              <a:ext uri="{FF2B5EF4-FFF2-40B4-BE49-F238E27FC236}">
-                <a16:creationId xmlns:a16="http://schemas.microsoft.com/office/drawing/2014/main" id="{0615ED0A-46F3-B6EC-2695-F2BA75472835}"/>
-              </a:ext>
-            </a:extLst>
-          </p:cNvPr>
+          <p:cNvPr id="2" name="Title 1"/>
           <p:cNvSpPr>
             <a:spLocks noGrp="1"/>
           </p:cNvSpPr>
@@ -1518,8 +1329,8 @@
         </p:nvSpPr>
         <p:spPr>
           <a:xfrm>
-            <a:off x="839788" y="365125"/>
-            <a:ext cx="10515600" cy="1325563"/>
+            <a:off x="917534" y="480158"/>
+            <a:ext cx="11489115" cy="1743177"/>
           </a:xfrm>
         </p:spPr>
         <p:txBody>
@@ -1530,19 +1341,13 @@
               <a:rPr lang="en-US"/>
               <a:t>Click to edit Master title style</a:t>
             </a:r>
-            <a:endParaRPr lang="en-FI"/>
-          </a:p>
-        </p:txBody>
-      </p:sp>
-      <p:sp>
-        <p:nvSpPr>
-          <p:cNvPr id="3" name="Text Placeholder 2">
-            <a:extLst>
-              <a:ext uri="{FF2B5EF4-FFF2-40B4-BE49-F238E27FC236}">
-                <a16:creationId xmlns:a16="http://schemas.microsoft.com/office/drawing/2014/main" id="{2B987F34-F7D3-6340-E325-883010345BE5}"/>
-              </a:ext>
-            </a:extLst>
-          </p:cNvPr>
+            <a:endParaRPr lang="en-US" dirty="0"/>
+          </a:p>
+        </p:txBody>
+      </p:sp>
+      <p:sp>
+        <p:nvSpPr>
+          <p:cNvPr id="3" name="Text Placeholder 2"/>
           <p:cNvSpPr>
             <a:spLocks noGrp="1"/>
           </p:cNvSpPr>
@@ -1552,8 +1357,8 @@
         </p:nvSpPr>
         <p:spPr>
           <a:xfrm>
-            <a:off x="839788" y="1681163"/>
-            <a:ext cx="5157787" cy="823912"/>
+            <a:off x="917536" y="2210808"/>
+            <a:ext cx="5635285" cy="1083482"/>
           </a:xfrm>
         </p:spPr>
         <p:txBody>
@@ -1561,39 +1366,39 @@
           <a:lstStyle>
             <a:lvl1pPr marL="0" indent="0">
               <a:buNone/>
-              <a:defRPr sz="2400" b="1"/>
+              <a:defRPr sz="3156" b="1"/>
             </a:lvl1pPr>
-            <a:lvl2pPr marL="457200" indent="0">
-              <a:buNone/>
-              <a:defRPr sz="2000" b="1"/>
+            <a:lvl2pPr marL="601218" indent="0">
+              <a:buNone/>
+              <a:defRPr sz="2630" b="1"/>
             </a:lvl2pPr>
-            <a:lvl3pPr marL="914400" indent="0">
-              <a:buNone/>
-              <a:defRPr sz="1800" b="1"/>
+            <a:lvl3pPr marL="1202436" indent="0">
+              <a:buNone/>
+              <a:defRPr sz="2367" b="1"/>
             </a:lvl3pPr>
-            <a:lvl4pPr marL="1371600" indent="0">
-              <a:buNone/>
-              <a:defRPr sz="1600" b="1"/>
+            <a:lvl4pPr marL="1803654" indent="0">
+              <a:buNone/>
+              <a:defRPr sz="2104" b="1"/>
             </a:lvl4pPr>
-            <a:lvl5pPr marL="1828800" indent="0">
-              <a:buNone/>
-              <a:defRPr sz="1600" b="1"/>
+            <a:lvl5pPr marL="2404872" indent="0">
+              <a:buNone/>
+              <a:defRPr sz="2104" b="1"/>
             </a:lvl5pPr>
-            <a:lvl6pPr marL="2286000" indent="0">
-              <a:buNone/>
-              <a:defRPr sz="1600" b="1"/>
+            <a:lvl6pPr marL="3006090" indent="0">
+              <a:buNone/>
+              <a:defRPr sz="2104" b="1"/>
             </a:lvl6pPr>
-            <a:lvl7pPr marL="2743200" indent="0">
-              <a:buNone/>
-              <a:defRPr sz="1600" b="1"/>
+            <a:lvl7pPr marL="3607308" indent="0">
+              <a:buNone/>
+              <a:defRPr sz="2104" b="1"/>
             </a:lvl7pPr>
-            <a:lvl8pPr marL="3200400" indent="0">
-              <a:buNone/>
-              <a:defRPr sz="1600" b="1"/>
+            <a:lvl8pPr marL="4208526" indent="0">
+              <a:buNone/>
+              <a:defRPr sz="2104" b="1"/>
             </a:lvl8pPr>
-            <a:lvl9pPr marL="3657600" indent="0">
-              <a:buNone/>
-              <a:defRPr sz="1600" b="1"/>
+            <a:lvl9pPr marL="4809744" indent="0">
+              <a:buNone/>
+              <a:defRPr sz="2104" b="1"/>
             </a:lvl9pPr>
           </a:lstStyle>
           <a:p>
@@ -1607,13 +1412,7 @@
       </p:sp>
       <p:sp>
         <p:nvSpPr>
-          <p:cNvPr id="4" name="Content Placeholder 3">
-            <a:extLst>
-              <a:ext uri="{FF2B5EF4-FFF2-40B4-BE49-F238E27FC236}">
-                <a16:creationId xmlns:a16="http://schemas.microsoft.com/office/drawing/2014/main" id="{29CBAC83-2D1B-F396-BCE3-6FD8E298429E}"/>
-              </a:ext>
-            </a:extLst>
-          </p:cNvPr>
+          <p:cNvPr id="4" name="Content Placeholder 3"/>
           <p:cNvSpPr>
             <a:spLocks noGrp="1"/>
           </p:cNvSpPr>
@@ -1623,8 +1422,8 @@
         </p:nvSpPr>
         <p:spPr>
           <a:xfrm>
-            <a:off x="839788" y="2505075"/>
-            <a:ext cx="5157787" cy="3684588"/>
+            <a:off x="917536" y="3294290"/>
+            <a:ext cx="5635285" cy="4845404"/>
           </a:xfrm>
         </p:spPr>
         <p:txBody>
@@ -1664,19 +1463,13 @@
               <a:rPr lang="en-US"/>
               <a:t>Fifth level</a:t>
             </a:r>
-            <a:endParaRPr lang="en-FI"/>
-          </a:p>
-        </p:txBody>
-      </p:sp>
-      <p:sp>
-        <p:nvSpPr>
-          <p:cNvPr id="5" name="Text Placeholder 4">
-            <a:extLst>
-              <a:ext uri="{FF2B5EF4-FFF2-40B4-BE49-F238E27FC236}">
-                <a16:creationId xmlns:a16="http://schemas.microsoft.com/office/drawing/2014/main" id="{DA24FE5E-49B9-3799-6A3B-0291B89E16B1}"/>
-              </a:ext>
-            </a:extLst>
-          </p:cNvPr>
+            <a:endParaRPr lang="en-US" dirty="0"/>
+          </a:p>
+        </p:txBody>
+      </p:sp>
+      <p:sp>
+        <p:nvSpPr>
+          <p:cNvPr id="5" name="Text Placeholder 4"/>
           <p:cNvSpPr>
             <a:spLocks noGrp="1"/>
           </p:cNvSpPr>
@@ -1686,8 +1479,8 @@
         </p:nvSpPr>
         <p:spPr>
           <a:xfrm>
-            <a:off x="6172200" y="1681163"/>
-            <a:ext cx="5183188" cy="823912"/>
+            <a:off x="6743612" y="2210808"/>
+            <a:ext cx="5663038" cy="1083482"/>
           </a:xfrm>
         </p:spPr>
         <p:txBody>
@@ -1695,39 +1488,39 @@
           <a:lstStyle>
             <a:lvl1pPr marL="0" indent="0">
               <a:buNone/>
-              <a:defRPr sz="2400" b="1"/>
+              <a:defRPr sz="3156" b="1"/>
             </a:lvl1pPr>
-            <a:lvl2pPr marL="457200" indent="0">
-              <a:buNone/>
-              <a:defRPr sz="2000" b="1"/>
+            <a:lvl2pPr marL="601218" indent="0">
+              <a:buNone/>
+              <a:defRPr sz="2630" b="1"/>
             </a:lvl2pPr>
-            <a:lvl3pPr marL="914400" indent="0">
-              <a:buNone/>
-              <a:defRPr sz="1800" b="1"/>
+            <a:lvl3pPr marL="1202436" indent="0">
+              <a:buNone/>
+              <a:defRPr sz="2367" b="1"/>
             </a:lvl3pPr>
-            <a:lvl4pPr marL="1371600" indent="0">
-              <a:buNone/>
-              <a:defRPr sz="1600" b="1"/>
+            <a:lvl4pPr marL="1803654" indent="0">
+              <a:buNone/>
+              <a:defRPr sz="2104" b="1"/>
             </a:lvl4pPr>
-            <a:lvl5pPr marL="1828800" indent="0">
-              <a:buNone/>
-              <a:defRPr sz="1600" b="1"/>
+            <a:lvl5pPr marL="2404872" indent="0">
+              <a:buNone/>
+              <a:defRPr sz="2104" b="1"/>
             </a:lvl5pPr>
-            <a:lvl6pPr marL="2286000" indent="0">
-              <a:buNone/>
-              <a:defRPr sz="1600" b="1"/>
+            <a:lvl6pPr marL="3006090" indent="0">
+              <a:buNone/>
+              <a:defRPr sz="2104" b="1"/>
             </a:lvl6pPr>
-            <a:lvl7pPr marL="2743200" indent="0">
-              <a:buNone/>
-              <a:defRPr sz="1600" b="1"/>
+            <a:lvl7pPr marL="3607308" indent="0">
+              <a:buNone/>
+              <a:defRPr sz="2104" b="1"/>
             </a:lvl7pPr>
-            <a:lvl8pPr marL="3200400" indent="0">
-              <a:buNone/>
-              <a:defRPr sz="1600" b="1"/>
+            <a:lvl8pPr marL="4208526" indent="0">
+              <a:buNone/>
+              <a:defRPr sz="2104" b="1"/>
             </a:lvl8pPr>
-            <a:lvl9pPr marL="3657600" indent="0">
-              <a:buNone/>
-              <a:defRPr sz="1600" b="1"/>
+            <a:lvl9pPr marL="4809744" indent="0">
+              <a:buNone/>
+              <a:defRPr sz="2104" b="1"/>
             </a:lvl9pPr>
           </a:lstStyle>
           <a:p>
@@ -1741,13 +1534,7 @@
       </p:sp>
       <p:sp>
         <p:nvSpPr>
-          <p:cNvPr id="6" name="Content Placeholder 5">
-            <a:extLst>
-              <a:ext uri="{FF2B5EF4-FFF2-40B4-BE49-F238E27FC236}">
-                <a16:creationId xmlns:a16="http://schemas.microsoft.com/office/drawing/2014/main" id="{887BFD32-8858-4438-C968-FBDFA306FC9B}"/>
-              </a:ext>
-            </a:extLst>
-          </p:cNvPr>
+          <p:cNvPr id="6" name="Content Placeholder 5"/>
           <p:cNvSpPr>
             <a:spLocks noGrp="1"/>
           </p:cNvSpPr>
@@ -1757,8 +1544,8 @@
         </p:nvSpPr>
         <p:spPr>
           <a:xfrm>
-            <a:off x="6172200" y="2505075"/>
-            <a:ext cx="5183188" cy="3684588"/>
+            <a:off x="6743612" y="3294290"/>
+            <a:ext cx="5663038" cy="4845404"/>
           </a:xfrm>
         </p:spPr>
         <p:txBody>
@@ -1798,19 +1585,13 @@
               <a:rPr lang="en-US"/>
               <a:t>Fifth level</a:t>
             </a:r>
-            <a:endParaRPr lang="en-FI"/>
-          </a:p>
-        </p:txBody>
-      </p:sp>
-      <p:sp>
-        <p:nvSpPr>
-          <p:cNvPr id="7" name="Date Placeholder 6">
-            <a:extLst>
-              <a:ext uri="{FF2B5EF4-FFF2-40B4-BE49-F238E27FC236}">
-                <a16:creationId xmlns:a16="http://schemas.microsoft.com/office/drawing/2014/main" id="{8966E9D6-B6C6-D747-AD0F-D3B026F27700}"/>
-              </a:ext>
-            </a:extLst>
-          </p:cNvPr>
+            <a:endParaRPr lang="en-US" dirty="0"/>
+          </a:p>
+        </p:txBody>
+      </p:sp>
+      <p:sp>
+        <p:nvSpPr>
+          <p:cNvPr id="7" name="Date Placeholder 6"/>
           <p:cNvSpPr>
             <a:spLocks noGrp="1"/>
           </p:cNvSpPr>
@@ -1825,7 +1606,7 @@
           <a:p>
             <a:fld id="{3AEECB1E-8F43-4310-8D22-D4EEFFC640B9}" type="datetimeFigureOut">
               <a:rPr lang="en-FI" smtClean="0"/>
-              <a:t>02/09/2022</a:t>
+              <a:t>09/05/2022</a:t>
             </a:fld>
             <a:endParaRPr lang="en-FI"/>
           </a:p>
@@ -1833,13 +1614,7 @@
       </p:sp>
       <p:sp>
         <p:nvSpPr>
-          <p:cNvPr id="8" name="Footer Placeholder 7">
-            <a:extLst>
-              <a:ext uri="{FF2B5EF4-FFF2-40B4-BE49-F238E27FC236}">
-                <a16:creationId xmlns:a16="http://schemas.microsoft.com/office/drawing/2014/main" id="{59087A62-666D-2374-1B61-DBB0A4FAD04C}"/>
-              </a:ext>
-            </a:extLst>
-          </p:cNvPr>
+          <p:cNvPr id="8" name="Footer Placeholder 7"/>
           <p:cNvSpPr>
             <a:spLocks noGrp="1"/>
           </p:cNvSpPr>
@@ -1858,13 +1633,7 @@
       </p:sp>
       <p:sp>
         <p:nvSpPr>
-          <p:cNvPr id="9" name="Slide Number Placeholder 8">
-            <a:extLst>
-              <a:ext uri="{FF2B5EF4-FFF2-40B4-BE49-F238E27FC236}">
-                <a16:creationId xmlns:a16="http://schemas.microsoft.com/office/drawing/2014/main" id="{7D50DEA0-494C-2D73-B6DA-1A0F89D63898}"/>
-              </a:ext>
-            </a:extLst>
-          </p:cNvPr>
+          <p:cNvPr id="9" name="Slide Number Placeholder 8"/>
           <p:cNvSpPr>
             <a:spLocks noGrp="1"/>
           </p:cNvSpPr>
@@ -1888,7 +1657,7 @@
     </p:spTree>
     <p:extLst>
       <p:ext uri="{BB962C8B-B14F-4D97-AF65-F5344CB8AC3E}">
-        <p14:creationId xmlns:p14="http://schemas.microsoft.com/office/powerpoint/2010/main" val="1277812533"/>
+        <p14:creationId xmlns:p14="http://schemas.microsoft.com/office/powerpoint/2010/main" val="3268318161"/>
       </p:ext>
     </p:extLst>
   </p:cSld>
@@ -1917,13 +1686,7 @@
       </p:grpSpPr>
       <p:sp>
         <p:nvSpPr>
-          <p:cNvPr id="2" name="Title 1">
-            <a:extLst>
-              <a:ext uri="{FF2B5EF4-FFF2-40B4-BE49-F238E27FC236}">
-                <a16:creationId xmlns:a16="http://schemas.microsoft.com/office/drawing/2014/main" id="{9CED1CA1-FF52-9B22-039C-54966DE7F887}"/>
-              </a:ext>
-            </a:extLst>
-          </p:cNvPr>
+          <p:cNvPr id="2" name="Title 1"/>
           <p:cNvSpPr>
             <a:spLocks noGrp="1"/>
           </p:cNvSpPr>
@@ -1940,19 +1703,13 @@
               <a:rPr lang="en-US"/>
               <a:t>Click to edit Master title style</a:t>
             </a:r>
-            <a:endParaRPr lang="en-FI"/>
-          </a:p>
-        </p:txBody>
-      </p:sp>
-      <p:sp>
-        <p:nvSpPr>
-          <p:cNvPr id="3" name="Date Placeholder 2">
-            <a:extLst>
-              <a:ext uri="{FF2B5EF4-FFF2-40B4-BE49-F238E27FC236}">
-                <a16:creationId xmlns:a16="http://schemas.microsoft.com/office/drawing/2014/main" id="{66C64DF1-9D2F-C12B-7C91-CB7EF8BA03F4}"/>
-              </a:ext>
-            </a:extLst>
-          </p:cNvPr>
+            <a:endParaRPr lang="en-US" dirty="0"/>
+          </a:p>
+        </p:txBody>
+      </p:sp>
+      <p:sp>
+        <p:nvSpPr>
+          <p:cNvPr id="3" name="Date Placeholder 2"/>
           <p:cNvSpPr>
             <a:spLocks noGrp="1"/>
           </p:cNvSpPr>
@@ -1967,7 +1724,7 @@
           <a:p>
             <a:fld id="{3AEECB1E-8F43-4310-8D22-D4EEFFC640B9}" type="datetimeFigureOut">
               <a:rPr lang="en-FI" smtClean="0"/>
-              <a:t>02/09/2022</a:t>
+              <a:t>09/05/2022</a:t>
             </a:fld>
             <a:endParaRPr lang="en-FI"/>
           </a:p>
@@ -1975,13 +1732,7 @@
       </p:sp>
       <p:sp>
         <p:nvSpPr>
-          <p:cNvPr id="4" name="Footer Placeholder 3">
-            <a:extLst>
-              <a:ext uri="{FF2B5EF4-FFF2-40B4-BE49-F238E27FC236}">
-                <a16:creationId xmlns:a16="http://schemas.microsoft.com/office/drawing/2014/main" id="{1B456D6B-BCB0-06C8-FE15-57319306C3D5}"/>
-              </a:ext>
-            </a:extLst>
-          </p:cNvPr>
+          <p:cNvPr id="4" name="Footer Placeholder 3"/>
           <p:cNvSpPr>
             <a:spLocks noGrp="1"/>
           </p:cNvSpPr>
@@ -2000,13 +1751,7 @@
       </p:sp>
       <p:sp>
         <p:nvSpPr>
-          <p:cNvPr id="5" name="Slide Number Placeholder 4">
-            <a:extLst>
-              <a:ext uri="{FF2B5EF4-FFF2-40B4-BE49-F238E27FC236}">
-                <a16:creationId xmlns:a16="http://schemas.microsoft.com/office/drawing/2014/main" id="{3078C3C9-5DB8-1500-7BF8-CDC4B917A672}"/>
-              </a:ext>
-            </a:extLst>
-          </p:cNvPr>
+          <p:cNvPr id="5" name="Slide Number Placeholder 4"/>
           <p:cNvSpPr>
             <a:spLocks noGrp="1"/>
           </p:cNvSpPr>
@@ -2030,7 +1775,7 @@
     </p:spTree>
     <p:extLst>
       <p:ext uri="{BB962C8B-B14F-4D97-AF65-F5344CB8AC3E}">
-        <p14:creationId xmlns:p14="http://schemas.microsoft.com/office/powerpoint/2010/main" val="364154535"/>
+        <p14:creationId xmlns:p14="http://schemas.microsoft.com/office/powerpoint/2010/main" val="1419930034"/>
       </p:ext>
     </p:extLst>
   </p:cSld>
@@ -2059,13 +1804,7 @@
       </p:grpSpPr>
       <p:sp>
         <p:nvSpPr>
-          <p:cNvPr id="2" name="Date Placeholder 1">
-            <a:extLst>
-              <a:ext uri="{FF2B5EF4-FFF2-40B4-BE49-F238E27FC236}">
-                <a16:creationId xmlns:a16="http://schemas.microsoft.com/office/drawing/2014/main" id="{915B4856-51E4-4DE2-E82E-C625F2439CC6}"/>
-              </a:ext>
-            </a:extLst>
-          </p:cNvPr>
+          <p:cNvPr id="2" name="Date Placeholder 1"/>
           <p:cNvSpPr>
             <a:spLocks noGrp="1"/>
           </p:cNvSpPr>
@@ -2080,7 +1819,7 @@
           <a:p>
             <a:fld id="{3AEECB1E-8F43-4310-8D22-D4EEFFC640B9}" type="datetimeFigureOut">
               <a:rPr lang="en-FI" smtClean="0"/>
-              <a:t>02/09/2022</a:t>
+              <a:t>09/05/2022</a:t>
             </a:fld>
             <a:endParaRPr lang="en-FI"/>
           </a:p>
@@ -2088,13 +1827,7 @@
       </p:sp>
       <p:sp>
         <p:nvSpPr>
-          <p:cNvPr id="3" name="Footer Placeholder 2">
-            <a:extLst>
-              <a:ext uri="{FF2B5EF4-FFF2-40B4-BE49-F238E27FC236}">
-                <a16:creationId xmlns:a16="http://schemas.microsoft.com/office/drawing/2014/main" id="{202D6B1B-4A3F-D570-02E3-4E4C26390C65}"/>
-              </a:ext>
-            </a:extLst>
-          </p:cNvPr>
+          <p:cNvPr id="3" name="Footer Placeholder 2"/>
           <p:cNvSpPr>
             <a:spLocks noGrp="1"/>
           </p:cNvSpPr>
@@ -2113,13 +1846,7 @@
       </p:sp>
       <p:sp>
         <p:nvSpPr>
-          <p:cNvPr id="4" name="Slide Number Placeholder 3">
-            <a:extLst>
-              <a:ext uri="{FF2B5EF4-FFF2-40B4-BE49-F238E27FC236}">
-                <a16:creationId xmlns:a16="http://schemas.microsoft.com/office/drawing/2014/main" id="{7FB395D5-8F98-D9AE-1AA7-C6B0C2D43009}"/>
-              </a:ext>
-            </a:extLst>
-          </p:cNvPr>
+          <p:cNvPr id="4" name="Slide Number Placeholder 3"/>
           <p:cNvSpPr>
             <a:spLocks noGrp="1"/>
           </p:cNvSpPr>
@@ -2143,7 +1870,7 @@
     </p:spTree>
     <p:extLst>
       <p:ext uri="{BB962C8B-B14F-4D97-AF65-F5344CB8AC3E}">
-        <p14:creationId xmlns:p14="http://schemas.microsoft.com/office/powerpoint/2010/main" val="3852719368"/>
+        <p14:creationId xmlns:p14="http://schemas.microsoft.com/office/powerpoint/2010/main" val="1196954022"/>
       </p:ext>
     </p:extLst>
   </p:cSld>
@@ -2172,13 +1899,7 @@
       </p:grpSpPr>
       <p:sp>
         <p:nvSpPr>
-          <p:cNvPr id="2" name="Title 1">
-            <a:extLst>
-              <a:ext uri="{FF2B5EF4-FFF2-40B4-BE49-F238E27FC236}">
-                <a16:creationId xmlns:a16="http://schemas.microsoft.com/office/drawing/2014/main" id="{83B3CD6E-B46C-15EB-FCB5-D3EEBA741801}"/>
-              </a:ext>
-            </a:extLst>
-          </p:cNvPr>
+          <p:cNvPr id="2" name="Title 1"/>
           <p:cNvSpPr>
             <a:spLocks noGrp="1"/>
           </p:cNvSpPr>
@@ -2188,15 +1909,15 @@
         </p:nvSpPr>
         <p:spPr>
           <a:xfrm>
-            <a:off x="839788" y="457200"/>
-            <a:ext cx="3932237" cy="1600200"/>
+            <a:off x="917534" y="601239"/>
+            <a:ext cx="4296277" cy="2104337"/>
           </a:xfrm>
         </p:spPr>
         <p:txBody>
           <a:bodyPr anchor="b"/>
           <a:lstStyle>
             <a:lvl1pPr>
-              <a:defRPr sz="3200"/>
+              <a:defRPr sz="4208"/>
             </a:lvl1pPr>
           </a:lstStyle>
           <a:p>
@@ -2204,19 +1925,13 @@
               <a:rPr lang="en-US"/>
               <a:t>Click to edit Master title style</a:t>
             </a:r>
-            <a:endParaRPr lang="en-FI"/>
-          </a:p>
-        </p:txBody>
-      </p:sp>
-      <p:sp>
-        <p:nvSpPr>
-          <p:cNvPr id="3" name="Content Placeholder 2">
-            <a:extLst>
-              <a:ext uri="{FF2B5EF4-FFF2-40B4-BE49-F238E27FC236}">
-                <a16:creationId xmlns:a16="http://schemas.microsoft.com/office/drawing/2014/main" id="{EB22E4CC-A4D2-06EB-63F9-6F906B8564D8}"/>
-              </a:ext>
-            </a:extLst>
-          </p:cNvPr>
+            <a:endParaRPr lang="en-US" dirty="0"/>
+          </a:p>
+        </p:txBody>
+      </p:sp>
+      <p:sp>
+        <p:nvSpPr>
+          <p:cNvPr id="3" name="Content Placeholder 2"/>
           <p:cNvSpPr>
             <a:spLocks noGrp="1"/>
           </p:cNvSpPr>
@@ -2226,39 +1941,39 @@
         </p:nvSpPr>
         <p:spPr>
           <a:xfrm>
-            <a:off x="5183188" y="987425"/>
-            <a:ext cx="6172200" cy="4873625"/>
+            <a:off x="5663038" y="1298512"/>
+            <a:ext cx="6743611" cy="6409043"/>
           </a:xfrm>
         </p:spPr>
         <p:txBody>
           <a:bodyPr/>
           <a:lstStyle>
             <a:lvl1pPr>
-              <a:defRPr sz="3200"/>
+              <a:defRPr sz="4208"/>
             </a:lvl1pPr>
             <a:lvl2pPr>
-              <a:defRPr sz="2800"/>
+              <a:defRPr sz="3682"/>
             </a:lvl2pPr>
             <a:lvl3pPr>
-              <a:defRPr sz="2400"/>
+              <a:defRPr sz="3156"/>
             </a:lvl3pPr>
             <a:lvl4pPr>
-              <a:defRPr sz="2000"/>
+              <a:defRPr sz="2630"/>
             </a:lvl4pPr>
             <a:lvl5pPr>
-              <a:defRPr sz="2000"/>
+              <a:defRPr sz="2630"/>
             </a:lvl5pPr>
             <a:lvl6pPr>
-              <a:defRPr sz="2000"/>
+              <a:defRPr sz="2630"/>
             </a:lvl6pPr>
             <a:lvl7pPr>
-              <a:defRPr sz="2000"/>
+              <a:defRPr sz="2630"/>
             </a:lvl7pPr>
             <a:lvl8pPr>
-              <a:defRPr sz="2000"/>
+              <a:defRPr sz="2630"/>
             </a:lvl8pPr>
             <a:lvl9pPr>
-              <a:defRPr sz="2000"/>
+              <a:defRPr sz="2630"/>
             </a:lvl9pPr>
           </a:lstStyle>
           <a:p>
@@ -2295,19 +2010,13 @@
               <a:rPr lang="en-US"/>
               <a:t>Fifth level</a:t>
             </a:r>
-            <a:endParaRPr lang="en-FI"/>
-          </a:p>
-        </p:txBody>
-      </p:sp>
-      <p:sp>
-        <p:nvSpPr>
-          <p:cNvPr id="4" name="Text Placeholder 3">
-            <a:extLst>
-              <a:ext uri="{FF2B5EF4-FFF2-40B4-BE49-F238E27FC236}">
-                <a16:creationId xmlns:a16="http://schemas.microsoft.com/office/drawing/2014/main" id="{42F8499C-2DE2-1227-8B48-36670C0F9777}"/>
-              </a:ext>
-            </a:extLst>
-          </p:cNvPr>
+            <a:endParaRPr lang="en-US" dirty="0"/>
+          </a:p>
+        </p:txBody>
+      </p:sp>
+      <p:sp>
+        <p:nvSpPr>
+          <p:cNvPr id="4" name="Text Placeholder 3"/>
           <p:cNvSpPr>
             <a:spLocks noGrp="1"/>
           </p:cNvSpPr>
@@ -2317,8 +2026,8 @@
         </p:nvSpPr>
         <p:spPr>
           <a:xfrm>
-            <a:off x="839788" y="2057400"/>
-            <a:ext cx="3932237" cy="3811588"/>
+            <a:off x="917534" y="2705576"/>
+            <a:ext cx="4296277" cy="5012415"/>
           </a:xfrm>
         </p:spPr>
         <p:txBody>
@@ -2326,39 +2035,39 @@
           <a:lstStyle>
             <a:lvl1pPr marL="0" indent="0">
               <a:buNone/>
-              <a:defRPr sz="1600"/>
+              <a:defRPr sz="2104"/>
             </a:lvl1pPr>
-            <a:lvl2pPr marL="457200" indent="0">
-              <a:buNone/>
-              <a:defRPr sz="1400"/>
+            <a:lvl2pPr marL="601218" indent="0">
+              <a:buNone/>
+              <a:defRPr sz="1841"/>
             </a:lvl2pPr>
-            <a:lvl3pPr marL="914400" indent="0">
-              <a:buNone/>
-              <a:defRPr sz="1200"/>
+            <a:lvl3pPr marL="1202436" indent="0">
+              <a:buNone/>
+              <a:defRPr sz="1578"/>
             </a:lvl3pPr>
-            <a:lvl4pPr marL="1371600" indent="0">
-              <a:buNone/>
-              <a:defRPr sz="1000"/>
+            <a:lvl4pPr marL="1803654" indent="0">
+              <a:buNone/>
+              <a:defRPr sz="1315"/>
             </a:lvl4pPr>
-            <a:lvl5pPr marL="1828800" indent="0">
-              <a:buNone/>
-              <a:defRPr sz="1000"/>
+            <a:lvl5pPr marL="2404872" indent="0">
+              <a:buNone/>
+              <a:defRPr sz="1315"/>
             </a:lvl5pPr>
-            <a:lvl6pPr marL="2286000" indent="0">
-              <a:buNone/>
-              <a:defRPr sz="1000"/>
+            <a:lvl6pPr marL="3006090" indent="0">
+              <a:buNone/>
+              <a:defRPr sz="1315"/>
             </a:lvl6pPr>
-            <a:lvl7pPr marL="2743200" indent="0">
-              <a:buNone/>
-              <a:defRPr sz="1000"/>
+            <a:lvl7pPr marL="3607308" indent="0">
+              <a:buNone/>
+              <a:defRPr sz="1315"/>
             </a:lvl7pPr>
-            <a:lvl8pPr marL="3200400" indent="0">
-              <a:buNone/>
-              <a:defRPr sz="1000"/>
+            <a:lvl8pPr marL="4208526" indent="0">
+              <a:buNone/>
+              <a:defRPr sz="1315"/>
             </a:lvl8pPr>
-            <a:lvl9pPr marL="3657600" indent="0">
-              <a:buNone/>
-              <a:defRPr sz="1000"/>
+            <a:lvl9pPr marL="4809744" indent="0">
+              <a:buNone/>
+              <a:defRPr sz="1315"/>
             </a:lvl9pPr>
           </a:lstStyle>
           <a:p>
@@ -2372,13 +2081,7 @@
       </p:sp>
       <p:sp>
         <p:nvSpPr>
-          <p:cNvPr id="5" name="Date Placeholder 4">
-            <a:extLst>
-              <a:ext uri="{FF2B5EF4-FFF2-40B4-BE49-F238E27FC236}">
-                <a16:creationId xmlns:a16="http://schemas.microsoft.com/office/drawing/2014/main" id="{46F5B4A7-1758-B96C-E819-CAAC42B5E848}"/>
-              </a:ext>
-            </a:extLst>
-          </p:cNvPr>
+          <p:cNvPr id="5" name="Date Placeholder 4"/>
           <p:cNvSpPr>
             <a:spLocks noGrp="1"/>
           </p:cNvSpPr>
@@ -2393,7 +2096,7 @@
           <a:p>
             <a:fld id="{3AEECB1E-8F43-4310-8D22-D4EEFFC640B9}" type="datetimeFigureOut">
               <a:rPr lang="en-FI" smtClean="0"/>
-              <a:t>02/09/2022</a:t>
+              <a:t>09/05/2022</a:t>
             </a:fld>
             <a:endParaRPr lang="en-FI"/>
           </a:p>
@@ -2401,13 +2104,7 @@
       </p:sp>
       <p:sp>
         <p:nvSpPr>
-          <p:cNvPr id="6" name="Footer Placeholder 5">
-            <a:extLst>
-              <a:ext uri="{FF2B5EF4-FFF2-40B4-BE49-F238E27FC236}">
-                <a16:creationId xmlns:a16="http://schemas.microsoft.com/office/drawing/2014/main" id="{61049841-F869-969D-2055-10F1C7E0C16C}"/>
-              </a:ext>
-            </a:extLst>
-          </p:cNvPr>
+          <p:cNvPr id="6" name="Footer Placeholder 5"/>
           <p:cNvSpPr>
             <a:spLocks noGrp="1"/>
           </p:cNvSpPr>
@@ -2426,13 +2123,7 @@
       </p:sp>
       <p:sp>
         <p:nvSpPr>
-          <p:cNvPr id="7" name="Slide Number Placeholder 6">
-            <a:extLst>
-              <a:ext uri="{FF2B5EF4-FFF2-40B4-BE49-F238E27FC236}">
-                <a16:creationId xmlns:a16="http://schemas.microsoft.com/office/drawing/2014/main" id="{958B38C0-0680-25DA-4146-B90A3D7CF3C4}"/>
-              </a:ext>
-            </a:extLst>
-          </p:cNvPr>
+          <p:cNvPr id="7" name="Slide Number Placeholder 6"/>
           <p:cNvSpPr>
             <a:spLocks noGrp="1"/>
           </p:cNvSpPr>
@@ -2456,7 +2147,7 @@
     </p:spTree>
     <p:extLst>
       <p:ext uri="{BB962C8B-B14F-4D97-AF65-F5344CB8AC3E}">
-        <p14:creationId xmlns:p14="http://schemas.microsoft.com/office/powerpoint/2010/main" val="1565892379"/>
+        <p14:creationId xmlns:p14="http://schemas.microsoft.com/office/powerpoint/2010/main" val="1128399794"/>
       </p:ext>
     </p:extLst>
   </p:cSld>
@@ -2485,13 +2176,7 @@
       </p:grpSpPr>
       <p:sp>
         <p:nvSpPr>
-          <p:cNvPr id="2" name="Title 1">
-            <a:extLst>
-              <a:ext uri="{FF2B5EF4-FFF2-40B4-BE49-F238E27FC236}">
-                <a16:creationId xmlns:a16="http://schemas.microsoft.com/office/drawing/2014/main" id="{5723626D-E000-29D5-E2E3-73D37278E859}"/>
-              </a:ext>
-            </a:extLst>
-          </p:cNvPr>
+          <p:cNvPr id="2" name="Title 1"/>
           <p:cNvSpPr>
             <a:spLocks noGrp="1"/>
           </p:cNvSpPr>
@@ -2501,15 +2186,15 @@
         </p:nvSpPr>
         <p:spPr>
           <a:xfrm>
-            <a:off x="839788" y="457200"/>
-            <a:ext cx="3932237" cy="1600200"/>
+            <a:off x="917534" y="601239"/>
+            <a:ext cx="4296277" cy="2104337"/>
           </a:xfrm>
         </p:spPr>
         <p:txBody>
           <a:bodyPr anchor="b"/>
           <a:lstStyle>
             <a:lvl1pPr>
-              <a:defRPr sz="3200"/>
+              <a:defRPr sz="4208"/>
             </a:lvl1pPr>
           </a:lstStyle>
           <a:p>
@@ -2517,21 +2202,15 @@
               <a:rPr lang="en-US"/>
               <a:t>Click to edit Master title style</a:t>
             </a:r>
-            <a:endParaRPr lang="en-FI"/>
-          </a:p>
-        </p:txBody>
-      </p:sp>
-      <p:sp>
-        <p:nvSpPr>
-          <p:cNvPr id="3" name="Picture Placeholder 2">
-            <a:extLst>
-              <a:ext uri="{FF2B5EF4-FFF2-40B4-BE49-F238E27FC236}">
-                <a16:creationId xmlns:a16="http://schemas.microsoft.com/office/drawing/2014/main" id="{130340D1-21DE-5A44-A2C4-648073DE7716}"/>
-              </a:ext>
-            </a:extLst>
-          </p:cNvPr>
-          <p:cNvSpPr>
-            <a:spLocks noGrp="1"/>
+            <a:endParaRPr lang="en-US" dirty="0"/>
+          </a:p>
+        </p:txBody>
+      </p:sp>
+      <p:sp>
+        <p:nvSpPr>
+          <p:cNvPr id="3" name="Picture Placeholder 2"/>
+          <p:cNvSpPr>
+            <a:spLocks noGrp="1" noChangeAspect="1"/>
           </p:cNvSpPr>
           <p:nvPr>
             <p:ph type="pic" idx="1"/>
@@ -2539,64 +2218,62 @@
         </p:nvSpPr>
         <p:spPr>
           <a:xfrm>
-            <a:off x="5183188" y="987425"/>
-            <a:ext cx="6172200" cy="4873625"/>
-          </a:xfrm>
-        </p:spPr>
-        <p:txBody>
-          <a:bodyPr/>
+            <a:off x="5663038" y="1298512"/>
+            <a:ext cx="6743611" cy="6409043"/>
+          </a:xfrm>
+        </p:spPr>
+        <p:txBody>
+          <a:bodyPr anchor="t"/>
           <a:lstStyle>
             <a:lvl1pPr marL="0" indent="0">
               <a:buNone/>
-              <a:defRPr sz="3200"/>
+              <a:defRPr sz="4208"/>
             </a:lvl1pPr>
-            <a:lvl2pPr marL="457200" indent="0">
-              <a:buNone/>
-              <a:defRPr sz="2800"/>
+            <a:lvl2pPr marL="601218" indent="0">
+              <a:buNone/>
+              <a:defRPr sz="3682"/>
             </a:lvl2pPr>
-            <a:lvl3pPr marL="914400" indent="0">
-              <a:buNone/>
-              <a:defRPr sz="2400"/>
+            <a:lvl3pPr marL="1202436" indent="0">
+              <a:buNone/>
+              <a:defRPr sz="3156"/>
             </a:lvl3pPr>
-            <a:lvl4pPr marL="1371600" indent="0">
-              <a:buNone/>
-              <a:defRPr sz="2000"/>
+            <a:lvl4pPr marL="1803654" indent="0">
+              <a:buNone/>
+              <a:defRPr sz="2630"/>
             </a:lvl4pPr>
-            <a:lvl5pPr marL="1828800" indent="0">
-              <a:buNone/>
-              <a:defRPr sz="2000"/>
+            <a:lvl5pPr marL="2404872" indent="0">
+              <a:buNone/>
+              <a:defRPr sz="2630"/>
             </a:lvl5pPr>
-            <a:lvl6pPr marL="2286000" indent="0">
-              <a:buNone/>
-              <a:defRPr sz="2000"/>
+            <a:lvl6pPr marL="3006090" indent="0">
+              <a:buNone/>
+              <a:defRPr sz="2630"/>
             </a:lvl6pPr>
-            <a:lvl7pPr marL="2743200" indent="0">
-              <a:buNone/>
-              <a:defRPr sz="2000"/>
+            <a:lvl7pPr marL="3607308" indent="0">
+              <a:buNone/>
+              <a:defRPr sz="2630"/>
             </a:lvl7pPr>
-            <a:lvl8pPr marL="3200400" indent="0">
-              <a:buNone/>
-              <a:defRPr sz="2000"/>
+            <a:lvl8pPr marL="4208526" indent="0">
+              <a:buNone/>
+              <a:defRPr sz="2630"/>
             </a:lvl8pPr>
-            <a:lvl9pPr marL="3657600" indent="0">
-              <a:buNone/>
-              <a:defRPr sz="2000"/>
+            <a:lvl9pPr marL="4809744" indent="0">
+              <a:buNone/>
+              <a:defRPr sz="2630"/>
             </a:lvl9pPr>
           </a:lstStyle>
           <a:p>
-            <a:endParaRPr lang="en-FI"/>
-          </a:p>
-        </p:txBody>
-      </p:sp>
-      <p:sp>
-        <p:nvSpPr>
-          <p:cNvPr id="4" name="Text Placeholder 3">
-            <a:extLst>
-              <a:ext uri="{FF2B5EF4-FFF2-40B4-BE49-F238E27FC236}">
-                <a16:creationId xmlns:a16="http://schemas.microsoft.com/office/drawing/2014/main" id="{CC332961-820A-185F-5E4E-FDFAD9B2F6CF}"/>
-              </a:ext>
-            </a:extLst>
-          </p:cNvPr>
+            <a:r>
+              <a:rPr lang="en-US"/>
+              <a:t>Click icon to add picture</a:t>
+            </a:r>
+            <a:endParaRPr lang="en-US" dirty="0"/>
+          </a:p>
+        </p:txBody>
+      </p:sp>
+      <p:sp>
+        <p:nvSpPr>
+          <p:cNvPr id="4" name="Text Placeholder 3"/>
           <p:cNvSpPr>
             <a:spLocks noGrp="1"/>
           </p:cNvSpPr>
@@ -2606,8 +2283,8 @@
         </p:nvSpPr>
         <p:spPr>
           <a:xfrm>
-            <a:off x="839788" y="2057400"/>
-            <a:ext cx="3932237" cy="3811588"/>
+            <a:off x="917534" y="2705576"/>
+            <a:ext cx="4296277" cy="5012415"/>
           </a:xfrm>
         </p:spPr>
         <p:txBody>
@@ -2615,39 +2292,39 @@
           <a:lstStyle>
             <a:lvl1pPr marL="0" indent="0">
               <a:buNone/>
-              <a:defRPr sz="1600"/>
+              <a:defRPr sz="2104"/>
             </a:lvl1pPr>
-            <a:lvl2pPr marL="457200" indent="0">
-              <a:buNone/>
-              <a:defRPr sz="1400"/>
+            <a:lvl2pPr marL="601218" indent="0">
+              <a:buNone/>
+              <a:defRPr sz="1841"/>
             </a:lvl2pPr>
-            <a:lvl3pPr marL="914400" indent="0">
-              <a:buNone/>
-              <a:defRPr sz="1200"/>
+            <a:lvl3pPr marL="1202436" indent="0">
+              <a:buNone/>
+              <a:defRPr sz="1578"/>
             </a:lvl3pPr>
-            <a:lvl4pPr marL="1371600" indent="0">
-              <a:buNone/>
-              <a:defRPr sz="1000"/>
+            <a:lvl4pPr marL="1803654" indent="0">
+              <a:buNone/>
+              <a:defRPr sz="1315"/>
             </a:lvl4pPr>
-            <a:lvl5pPr marL="1828800" indent="0">
-              <a:buNone/>
-              <a:defRPr sz="1000"/>
+            <a:lvl5pPr marL="2404872" indent="0">
+              <a:buNone/>
+              <a:defRPr sz="1315"/>
             </a:lvl5pPr>
-            <a:lvl6pPr marL="2286000" indent="0">
-              <a:buNone/>
-              <a:defRPr sz="1000"/>
+            <a:lvl6pPr marL="3006090" indent="0">
+              <a:buNone/>
+              <a:defRPr sz="1315"/>
             </a:lvl6pPr>
-            <a:lvl7pPr marL="2743200" indent="0">
-              <a:buNone/>
-              <a:defRPr sz="1000"/>
+            <a:lvl7pPr marL="3607308" indent="0">
+              <a:buNone/>
+              <a:defRPr sz="1315"/>
             </a:lvl7pPr>
-            <a:lvl8pPr marL="3200400" indent="0">
-              <a:buNone/>
-              <a:defRPr sz="1000"/>
+            <a:lvl8pPr marL="4208526" indent="0">
+              <a:buNone/>
+              <a:defRPr sz="1315"/>
             </a:lvl8pPr>
-            <a:lvl9pPr marL="3657600" indent="0">
-              <a:buNone/>
-              <a:defRPr sz="1000"/>
+            <a:lvl9pPr marL="4809744" indent="0">
+              <a:buNone/>
+              <a:defRPr sz="1315"/>
             </a:lvl9pPr>
           </a:lstStyle>
           <a:p>
@@ -2661,13 +2338,7 @@
       </p:sp>
       <p:sp>
         <p:nvSpPr>
-          <p:cNvPr id="5" name="Date Placeholder 4">
-            <a:extLst>
-              <a:ext uri="{FF2B5EF4-FFF2-40B4-BE49-F238E27FC236}">
-                <a16:creationId xmlns:a16="http://schemas.microsoft.com/office/drawing/2014/main" id="{BC1971E9-5802-2A2A-4BCC-B489785156D1}"/>
-              </a:ext>
-            </a:extLst>
-          </p:cNvPr>
+          <p:cNvPr id="5" name="Date Placeholder 4"/>
           <p:cNvSpPr>
             <a:spLocks noGrp="1"/>
           </p:cNvSpPr>
@@ -2682,7 +2353,7 @@
           <a:p>
             <a:fld id="{3AEECB1E-8F43-4310-8D22-D4EEFFC640B9}" type="datetimeFigureOut">
               <a:rPr lang="en-FI" smtClean="0"/>
-              <a:t>02/09/2022</a:t>
+              <a:t>09/05/2022</a:t>
             </a:fld>
             <a:endParaRPr lang="en-FI"/>
           </a:p>
@@ -2690,13 +2361,7 @@
       </p:sp>
       <p:sp>
         <p:nvSpPr>
-          <p:cNvPr id="6" name="Footer Placeholder 5">
-            <a:extLst>
-              <a:ext uri="{FF2B5EF4-FFF2-40B4-BE49-F238E27FC236}">
-                <a16:creationId xmlns:a16="http://schemas.microsoft.com/office/drawing/2014/main" id="{F788B64B-EF1E-7E8A-92FB-5B76163E7C9C}"/>
-              </a:ext>
-            </a:extLst>
-          </p:cNvPr>
+          <p:cNvPr id="6" name="Footer Placeholder 5"/>
           <p:cNvSpPr>
             <a:spLocks noGrp="1"/>
           </p:cNvSpPr>
@@ -2715,13 +2380,7 @@
       </p:sp>
       <p:sp>
         <p:nvSpPr>
-          <p:cNvPr id="7" name="Slide Number Placeholder 6">
-            <a:extLst>
-              <a:ext uri="{FF2B5EF4-FFF2-40B4-BE49-F238E27FC236}">
-                <a16:creationId xmlns:a16="http://schemas.microsoft.com/office/drawing/2014/main" id="{E0065257-C337-12C2-7BCA-3F30953E212B}"/>
-              </a:ext>
-            </a:extLst>
-          </p:cNvPr>
+          <p:cNvPr id="7" name="Slide Number Placeholder 6"/>
           <p:cNvSpPr>
             <a:spLocks noGrp="1"/>
           </p:cNvSpPr>
@@ -2745,7 +2404,7 @@
     </p:spTree>
     <p:extLst>
       <p:ext uri="{BB962C8B-B14F-4D97-AF65-F5344CB8AC3E}">
-        <p14:creationId xmlns:p14="http://schemas.microsoft.com/office/powerpoint/2010/main" val="2800966371"/>
+        <p14:creationId xmlns:p14="http://schemas.microsoft.com/office/powerpoint/2010/main" val="1990244200"/>
       </p:ext>
     </p:extLst>
   </p:cSld>
@@ -2779,13 +2438,7 @@
       </p:grpSpPr>
       <p:sp>
         <p:nvSpPr>
-          <p:cNvPr id="2" name="Title Placeholder 1">
-            <a:extLst>
-              <a:ext uri="{FF2B5EF4-FFF2-40B4-BE49-F238E27FC236}">
-                <a16:creationId xmlns:a16="http://schemas.microsoft.com/office/drawing/2014/main" id="{61E41C99-28CA-7102-4D46-111775448F28}"/>
-              </a:ext>
-            </a:extLst>
-          </p:cNvPr>
+          <p:cNvPr id="2" name="Title Placeholder 1"/>
           <p:cNvSpPr>
             <a:spLocks noGrp="1"/>
           </p:cNvSpPr>
@@ -2795,8 +2448,8 @@
         </p:nvSpPr>
         <p:spPr>
           <a:xfrm>
-            <a:off x="838200" y="365125"/>
-            <a:ext cx="10515600" cy="1325563"/>
+            <a:off x="915799" y="480158"/>
+            <a:ext cx="11489115" cy="1743177"/>
           </a:xfrm>
           <a:prstGeom prst="rect">
             <a:avLst/>
@@ -2812,19 +2465,13 @@
               <a:rPr lang="en-US"/>
               <a:t>Click to edit Master title style</a:t>
             </a:r>
-            <a:endParaRPr lang="en-FI"/>
-          </a:p>
-        </p:txBody>
-      </p:sp>
-      <p:sp>
-        <p:nvSpPr>
-          <p:cNvPr id="3" name="Text Placeholder 2">
-            <a:extLst>
-              <a:ext uri="{FF2B5EF4-FFF2-40B4-BE49-F238E27FC236}">
-                <a16:creationId xmlns:a16="http://schemas.microsoft.com/office/drawing/2014/main" id="{FF8DA078-232B-2198-9564-890DB82242DB}"/>
-              </a:ext>
-            </a:extLst>
-          </p:cNvPr>
+            <a:endParaRPr lang="en-US" dirty="0"/>
+          </a:p>
+        </p:txBody>
+      </p:sp>
+      <p:sp>
+        <p:nvSpPr>
+          <p:cNvPr id="3" name="Text Placeholder 2"/>
           <p:cNvSpPr>
             <a:spLocks noGrp="1"/>
           </p:cNvSpPr>
@@ -2834,8 +2481,8 @@
         </p:nvSpPr>
         <p:spPr>
           <a:xfrm>
-            <a:off x="838200" y="1825625"/>
-            <a:ext cx="10515600" cy="4351338"/>
+            <a:off x="915799" y="2400782"/>
+            <a:ext cx="11489115" cy="5722211"/>
           </a:xfrm>
           <a:prstGeom prst="rect">
             <a:avLst/>
@@ -2880,19 +2527,13 @@
               <a:rPr lang="en-US"/>
               <a:t>Fifth level</a:t>
             </a:r>
-            <a:endParaRPr lang="en-FI"/>
-          </a:p>
-        </p:txBody>
-      </p:sp>
-      <p:sp>
-        <p:nvSpPr>
-          <p:cNvPr id="4" name="Date Placeholder 3">
-            <a:extLst>
-              <a:ext uri="{FF2B5EF4-FFF2-40B4-BE49-F238E27FC236}">
-                <a16:creationId xmlns:a16="http://schemas.microsoft.com/office/drawing/2014/main" id="{24FC0B82-0D87-A5CB-4446-A63F96998B47}"/>
-              </a:ext>
-            </a:extLst>
-          </p:cNvPr>
+            <a:endParaRPr lang="en-US" dirty="0"/>
+          </a:p>
+        </p:txBody>
+      </p:sp>
+      <p:sp>
+        <p:nvSpPr>
+          <p:cNvPr id="4" name="Date Placeholder 3"/>
           <p:cNvSpPr>
             <a:spLocks noGrp="1"/>
           </p:cNvSpPr>
@@ -2902,8 +2543,8 @@
         </p:nvSpPr>
         <p:spPr>
           <a:xfrm>
-            <a:off x="838200" y="6356350"/>
-            <a:ext cx="2743200" cy="365125"/>
+            <a:off x="915799" y="8358897"/>
+            <a:ext cx="2997160" cy="480156"/>
           </a:xfrm>
           <a:prstGeom prst="rect">
             <a:avLst/>
@@ -2913,7 +2554,7 @@
           <a:bodyPr vert="horz" lIns="91440" tIns="45720" rIns="91440" bIns="45720" rtlCol="0" anchor="ctr"/>
           <a:lstStyle>
             <a:lvl1pPr algn="l">
-              <a:defRPr sz="1200">
+              <a:defRPr sz="1578">
                 <a:solidFill>
                   <a:schemeClr val="tx1">
                     <a:tint val="75000"/>
@@ -2925,7 +2566,7 @@
           <a:p>
             <a:fld id="{3AEECB1E-8F43-4310-8D22-D4EEFFC640B9}" type="datetimeFigureOut">
               <a:rPr lang="en-FI" smtClean="0"/>
-              <a:t>02/09/2022</a:t>
+              <a:t>09/05/2022</a:t>
             </a:fld>
             <a:endParaRPr lang="en-FI"/>
           </a:p>
@@ -2933,13 +2574,7 @@
       </p:sp>
       <p:sp>
         <p:nvSpPr>
-          <p:cNvPr id="5" name="Footer Placeholder 4">
-            <a:extLst>
-              <a:ext uri="{FF2B5EF4-FFF2-40B4-BE49-F238E27FC236}">
-                <a16:creationId xmlns:a16="http://schemas.microsoft.com/office/drawing/2014/main" id="{9D25B7B9-936E-409B-ECF8-B101B45FE7C1}"/>
-              </a:ext>
-            </a:extLst>
-          </p:cNvPr>
+          <p:cNvPr id="5" name="Footer Placeholder 4"/>
           <p:cNvSpPr>
             <a:spLocks noGrp="1"/>
           </p:cNvSpPr>
@@ -2949,8 +2584,8 @@
         </p:nvSpPr>
         <p:spPr>
           <a:xfrm>
-            <a:off x="4038600" y="6356350"/>
-            <a:ext cx="4114800" cy="365125"/>
+            <a:off x="4412486" y="8358897"/>
+            <a:ext cx="4495741" cy="480156"/>
           </a:xfrm>
           <a:prstGeom prst="rect">
             <a:avLst/>
@@ -2960,7 +2595,7 @@
           <a:bodyPr vert="horz" lIns="91440" tIns="45720" rIns="91440" bIns="45720" rtlCol="0" anchor="ctr"/>
           <a:lstStyle>
             <a:lvl1pPr algn="ctr">
-              <a:defRPr sz="1200">
+              <a:defRPr sz="1578">
                 <a:solidFill>
                   <a:schemeClr val="tx1">
                     <a:tint val="75000"/>
@@ -2976,13 +2611,7 @@
       </p:sp>
       <p:sp>
         <p:nvSpPr>
-          <p:cNvPr id="6" name="Slide Number Placeholder 5">
-            <a:extLst>
-              <a:ext uri="{FF2B5EF4-FFF2-40B4-BE49-F238E27FC236}">
-                <a16:creationId xmlns:a16="http://schemas.microsoft.com/office/drawing/2014/main" id="{61D78970-BB39-B14C-39F7-B8A387D3891C}"/>
-              </a:ext>
-            </a:extLst>
-          </p:cNvPr>
+          <p:cNvPr id="6" name="Slide Number Placeholder 5"/>
           <p:cNvSpPr>
             <a:spLocks noGrp="1"/>
           </p:cNvSpPr>
@@ -2992,8 +2621,8 @@
         </p:nvSpPr>
         <p:spPr>
           <a:xfrm>
-            <a:off x="8610600" y="6356350"/>
-            <a:ext cx="2743200" cy="365125"/>
+            <a:off x="9407754" y="8358897"/>
+            <a:ext cx="2997160" cy="480156"/>
           </a:xfrm>
           <a:prstGeom prst="rect">
             <a:avLst/>
@@ -3003,7 +2632,7 @@
           <a:bodyPr vert="horz" lIns="91440" tIns="45720" rIns="91440" bIns="45720" rtlCol="0" anchor="ctr"/>
           <a:lstStyle>
             <a:lvl1pPr algn="r">
-              <a:defRPr sz="1200">
+              <a:defRPr sz="1578">
                 <a:solidFill>
                   <a:schemeClr val="tx1">
                     <a:tint val="75000"/>
@@ -3024,27 +2653,27 @@
     </p:spTree>
     <p:extLst>
       <p:ext uri="{BB962C8B-B14F-4D97-AF65-F5344CB8AC3E}">
-        <p14:creationId xmlns:p14="http://schemas.microsoft.com/office/powerpoint/2010/main" val="1125602177"/>
+        <p14:creationId xmlns:p14="http://schemas.microsoft.com/office/powerpoint/2010/main" val="1051600600"/>
       </p:ext>
     </p:extLst>
   </p:cSld>
   <p:clrMap bg1="lt1" tx1="dk1" bg2="lt2" tx2="dk2" accent1="accent1" accent2="accent2" accent3="accent3" accent4="accent4" accent5="accent5" accent6="accent6" hlink="hlink" folHlink="folHlink"/>
   <p:sldLayoutIdLst>
-    <p:sldLayoutId id="2147483649" r:id="rId1"/>
-    <p:sldLayoutId id="2147483650" r:id="rId2"/>
-    <p:sldLayoutId id="2147483651" r:id="rId3"/>
-    <p:sldLayoutId id="2147483652" r:id="rId4"/>
-    <p:sldLayoutId id="2147483653" r:id="rId5"/>
-    <p:sldLayoutId id="2147483654" r:id="rId6"/>
-    <p:sldLayoutId id="2147483655" r:id="rId7"/>
-    <p:sldLayoutId id="2147483656" r:id="rId8"/>
-    <p:sldLayoutId id="2147483657" r:id="rId9"/>
-    <p:sldLayoutId id="2147483658" r:id="rId10"/>
-    <p:sldLayoutId id="2147483659" r:id="rId11"/>
+    <p:sldLayoutId id="2147483685" r:id="rId1"/>
+    <p:sldLayoutId id="2147483686" r:id="rId2"/>
+    <p:sldLayoutId id="2147483687" r:id="rId3"/>
+    <p:sldLayoutId id="2147483688" r:id="rId4"/>
+    <p:sldLayoutId id="2147483689" r:id="rId5"/>
+    <p:sldLayoutId id="2147483690" r:id="rId6"/>
+    <p:sldLayoutId id="2147483691" r:id="rId7"/>
+    <p:sldLayoutId id="2147483692" r:id="rId8"/>
+    <p:sldLayoutId id="2147483693" r:id="rId9"/>
+    <p:sldLayoutId id="2147483694" r:id="rId10"/>
+    <p:sldLayoutId id="2147483695" r:id="rId11"/>
   </p:sldLayoutIdLst>
   <p:txStyles>
     <p:titleStyle>
-      <a:lvl1pPr algn="l" defTabSz="914400" rtl="0" eaLnBrk="1" latinLnBrk="0" hangingPunct="1">
+      <a:lvl1pPr algn="l" defTabSz="1202436" rtl="0" eaLnBrk="1" latinLnBrk="0" hangingPunct="1">
         <a:lnSpc>
           <a:spcPct val="90000"/>
         </a:lnSpc>
@@ -3052,7 +2681,7 @@
           <a:spcPct val="0"/>
         </a:spcBef>
         <a:buNone/>
-        <a:defRPr sz="4400" kern="1200">
+        <a:defRPr sz="5786" kern="1200">
           <a:solidFill>
             <a:schemeClr val="tx1"/>
           </a:solidFill>
@@ -3063,16 +2692,16 @@
       </a:lvl1pPr>
     </p:titleStyle>
     <p:bodyStyle>
-      <a:lvl1pPr marL="228600" indent="-228600" algn="l" defTabSz="914400" rtl="0" eaLnBrk="1" latinLnBrk="0" hangingPunct="1">
+      <a:lvl1pPr marL="300609" indent="-300609" algn="l" defTabSz="1202436" rtl="0" eaLnBrk="1" latinLnBrk="0" hangingPunct="1">
         <a:lnSpc>
           <a:spcPct val="90000"/>
         </a:lnSpc>
         <a:spcBef>
-          <a:spcPts val="1000"/>
+          <a:spcPts val="1315"/>
         </a:spcBef>
         <a:buFont typeface="Arial" panose="020B0604020202020204" pitchFamily="34" charset="0"/>
         <a:buChar char="•"/>
-        <a:defRPr sz="2800" kern="1200">
+        <a:defRPr sz="3682" kern="1200">
           <a:solidFill>
             <a:schemeClr val="tx1"/>
           </a:solidFill>
@@ -3081,16 +2710,16 @@
           <a:cs typeface="+mn-cs"/>
         </a:defRPr>
       </a:lvl1pPr>
-      <a:lvl2pPr marL="685800" indent="-228600" algn="l" defTabSz="914400" rtl="0" eaLnBrk="1" latinLnBrk="0" hangingPunct="1">
+      <a:lvl2pPr marL="901827" indent="-300609" algn="l" defTabSz="1202436" rtl="0" eaLnBrk="1" latinLnBrk="0" hangingPunct="1">
         <a:lnSpc>
           <a:spcPct val="90000"/>
         </a:lnSpc>
         <a:spcBef>
-          <a:spcPts val="500"/>
+          <a:spcPts val="658"/>
         </a:spcBef>
         <a:buFont typeface="Arial" panose="020B0604020202020204" pitchFamily="34" charset="0"/>
         <a:buChar char="•"/>
-        <a:defRPr sz="2400" kern="1200">
+        <a:defRPr sz="3156" kern="1200">
           <a:solidFill>
             <a:schemeClr val="tx1"/>
           </a:solidFill>
@@ -3099,16 +2728,16 @@
           <a:cs typeface="+mn-cs"/>
         </a:defRPr>
       </a:lvl2pPr>
-      <a:lvl3pPr marL="1143000" indent="-228600" algn="l" defTabSz="914400" rtl="0" eaLnBrk="1" latinLnBrk="0" hangingPunct="1">
+      <a:lvl3pPr marL="1503045" indent="-300609" algn="l" defTabSz="1202436" rtl="0" eaLnBrk="1" latinLnBrk="0" hangingPunct="1">
         <a:lnSpc>
           <a:spcPct val="90000"/>
         </a:lnSpc>
         <a:spcBef>
-          <a:spcPts val="500"/>
+          <a:spcPts val="658"/>
         </a:spcBef>
         <a:buFont typeface="Arial" panose="020B0604020202020204" pitchFamily="34" charset="0"/>
         <a:buChar char="•"/>
-        <a:defRPr sz="2000" kern="1200">
+        <a:defRPr sz="2630" kern="1200">
           <a:solidFill>
             <a:schemeClr val="tx1"/>
           </a:solidFill>
@@ -3117,16 +2746,16 @@
           <a:cs typeface="+mn-cs"/>
         </a:defRPr>
       </a:lvl3pPr>
-      <a:lvl4pPr marL="1600200" indent="-228600" algn="l" defTabSz="914400" rtl="0" eaLnBrk="1" latinLnBrk="0" hangingPunct="1">
+      <a:lvl4pPr marL="2104263" indent="-300609" algn="l" defTabSz="1202436" rtl="0" eaLnBrk="1" latinLnBrk="0" hangingPunct="1">
         <a:lnSpc>
           <a:spcPct val="90000"/>
         </a:lnSpc>
         <a:spcBef>
-          <a:spcPts val="500"/>
+          <a:spcPts val="658"/>
         </a:spcBef>
         <a:buFont typeface="Arial" panose="020B0604020202020204" pitchFamily="34" charset="0"/>
         <a:buChar char="•"/>
-        <a:defRPr sz="1800" kern="1200">
+        <a:defRPr sz="2367" kern="1200">
           <a:solidFill>
             <a:schemeClr val="tx1"/>
           </a:solidFill>
@@ -3135,16 +2764,16 @@
           <a:cs typeface="+mn-cs"/>
         </a:defRPr>
       </a:lvl4pPr>
-      <a:lvl5pPr marL="2057400" indent="-228600" algn="l" defTabSz="914400" rtl="0" eaLnBrk="1" latinLnBrk="0" hangingPunct="1">
+      <a:lvl5pPr marL="2705481" indent="-300609" algn="l" defTabSz="1202436" rtl="0" eaLnBrk="1" latinLnBrk="0" hangingPunct="1">
         <a:lnSpc>
           <a:spcPct val="90000"/>
         </a:lnSpc>
         <a:spcBef>
-          <a:spcPts val="500"/>
+          <a:spcPts val="658"/>
         </a:spcBef>
         <a:buFont typeface="Arial" panose="020B0604020202020204" pitchFamily="34" charset="0"/>
         <a:buChar char="•"/>
-        <a:defRPr sz="1800" kern="1200">
+        <a:defRPr sz="2367" kern="1200">
           <a:solidFill>
             <a:schemeClr val="tx1"/>
           </a:solidFill>
@@ -3153,16 +2782,16 @@
           <a:cs typeface="+mn-cs"/>
         </a:defRPr>
       </a:lvl5pPr>
-      <a:lvl6pPr marL="2514600" indent="-228600" algn="l" defTabSz="914400" rtl="0" eaLnBrk="1" latinLnBrk="0" hangingPunct="1">
+      <a:lvl6pPr marL="3306699" indent="-300609" algn="l" defTabSz="1202436" rtl="0" eaLnBrk="1" latinLnBrk="0" hangingPunct="1">
         <a:lnSpc>
           <a:spcPct val="90000"/>
         </a:lnSpc>
         <a:spcBef>
-          <a:spcPts val="500"/>
+          <a:spcPts val="658"/>
         </a:spcBef>
         <a:buFont typeface="Arial" panose="020B0604020202020204" pitchFamily="34" charset="0"/>
         <a:buChar char="•"/>
-        <a:defRPr sz="1800" kern="1200">
+        <a:defRPr sz="2367" kern="1200">
           <a:solidFill>
             <a:schemeClr val="tx1"/>
           </a:solidFill>
@@ -3171,16 +2800,16 @@
           <a:cs typeface="+mn-cs"/>
         </a:defRPr>
       </a:lvl6pPr>
-      <a:lvl7pPr marL="2971800" indent="-228600" algn="l" defTabSz="914400" rtl="0" eaLnBrk="1" latinLnBrk="0" hangingPunct="1">
+      <a:lvl7pPr marL="3907917" indent="-300609" algn="l" defTabSz="1202436" rtl="0" eaLnBrk="1" latinLnBrk="0" hangingPunct="1">
         <a:lnSpc>
           <a:spcPct val="90000"/>
         </a:lnSpc>
         <a:spcBef>
-          <a:spcPts val="500"/>
+          <a:spcPts val="658"/>
         </a:spcBef>
         <a:buFont typeface="Arial" panose="020B0604020202020204" pitchFamily="34" charset="0"/>
         <a:buChar char="•"/>
-        <a:defRPr sz="1800" kern="1200">
+        <a:defRPr sz="2367" kern="1200">
           <a:solidFill>
             <a:schemeClr val="tx1"/>
           </a:solidFill>
@@ -3189,16 +2818,16 @@
           <a:cs typeface="+mn-cs"/>
         </a:defRPr>
       </a:lvl7pPr>
-      <a:lvl8pPr marL="3429000" indent="-228600" algn="l" defTabSz="914400" rtl="0" eaLnBrk="1" latinLnBrk="0" hangingPunct="1">
+      <a:lvl8pPr marL="4509135" indent="-300609" algn="l" defTabSz="1202436" rtl="0" eaLnBrk="1" latinLnBrk="0" hangingPunct="1">
         <a:lnSpc>
           <a:spcPct val="90000"/>
         </a:lnSpc>
         <a:spcBef>
-          <a:spcPts val="500"/>
+          <a:spcPts val="658"/>
         </a:spcBef>
         <a:buFont typeface="Arial" panose="020B0604020202020204" pitchFamily="34" charset="0"/>
         <a:buChar char="•"/>
-        <a:defRPr sz="1800" kern="1200">
+        <a:defRPr sz="2367" kern="1200">
           <a:solidFill>
             <a:schemeClr val="tx1"/>
           </a:solidFill>
@@ -3207,16 +2836,16 @@
           <a:cs typeface="+mn-cs"/>
         </a:defRPr>
       </a:lvl8pPr>
-      <a:lvl9pPr marL="3886200" indent="-228600" algn="l" defTabSz="914400" rtl="0" eaLnBrk="1" latinLnBrk="0" hangingPunct="1">
+      <a:lvl9pPr marL="5110353" indent="-300609" algn="l" defTabSz="1202436" rtl="0" eaLnBrk="1" latinLnBrk="0" hangingPunct="1">
         <a:lnSpc>
           <a:spcPct val="90000"/>
         </a:lnSpc>
         <a:spcBef>
-          <a:spcPts val="500"/>
+          <a:spcPts val="658"/>
         </a:spcBef>
         <a:buFont typeface="Arial" panose="020B0604020202020204" pitchFamily="34" charset="0"/>
         <a:buChar char="•"/>
-        <a:defRPr sz="1800" kern="1200">
+        <a:defRPr sz="2367" kern="1200">
           <a:solidFill>
             <a:schemeClr val="tx1"/>
           </a:solidFill>
@@ -3228,10 +2857,10 @@
     </p:bodyStyle>
     <p:otherStyle>
       <a:defPPr>
-        <a:defRPr lang="en-FI"/>
+        <a:defRPr lang="en-US"/>
       </a:defPPr>
-      <a:lvl1pPr marL="0" algn="l" defTabSz="914400" rtl="0" eaLnBrk="1" latinLnBrk="0" hangingPunct="1">
-        <a:defRPr sz="1800" kern="1200">
+      <a:lvl1pPr marL="0" algn="l" defTabSz="1202436" rtl="0" eaLnBrk="1" latinLnBrk="0" hangingPunct="1">
+        <a:defRPr sz="2367" kern="1200">
           <a:solidFill>
             <a:schemeClr val="tx1"/>
           </a:solidFill>
@@ -3240,8 +2869,8 @@
           <a:cs typeface="+mn-cs"/>
         </a:defRPr>
       </a:lvl1pPr>
-      <a:lvl2pPr marL="457200" algn="l" defTabSz="914400" rtl="0" eaLnBrk="1" latinLnBrk="0" hangingPunct="1">
-        <a:defRPr sz="1800" kern="1200">
+      <a:lvl2pPr marL="601218" algn="l" defTabSz="1202436" rtl="0" eaLnBrk="1" latinLnBrk="0" hangingPunct="1">
+        <a:defRPr sz="2367" kern="1200">
           <a:solidFill>
             <a:schemeClr val="tx1"/>
           </a:solidFill>
@@ -3250,8 +2879,8 @@
           <a:cs typeface="+mn-cs"/>
         </a:defRPr>
       </a:lvl2pPr>
-      <a:lvl3pPr marL="914400" algn="l" defTabSz="914400" rtl="0" eaLnBrk="1" latinLnBrk="0" hangingPunct="1">
-        <a:defRPr sz="1800" kern="1200">
+      <a:lvl3pPr marL="1202436" algn="l" defTabSz="1202436" rtl="0" eaLnBrk="1" latinLnBrk="0" hangingPunct="1">
+        <a:defRPr sz="2367" kern="1200">
           <a:solidFill>
             <a:schemeClr val="tx1"/>
           </a:solidFill>
@@ -3260,8 +2889,8 @@
           <a:cs typeface="+mn-cs"/>
         </a:defRPr>
       </a:lvl3pPr>
-      <a:lvl4pPr marL="1371600" algn="l" defTabSz="914400" rtl="0" eaLnBrk="1" latinLnBrk="0" hangingPunct="1">
-        <a:defRPr sz="1800" kern="1200">
+      <a:lvl4pPr marL="1803654" algn="l" defTabSz="1202436" rtl="0" eaLnBrk="1" latinLnBrk="0" hangingPunct="1">
+        <a:defRPr sz="2367" kern="1200">
           <a:solidFill>
             <a:schemeClr val="tx1"/>
           </a:solidFill>
@@ -3270,8 +2899,8 @@
           <a:cs typeface="+mn-cs"/>
         </a:defRPr>
       </a:lvl4pPr>
-      <a:lvl5pPr marL="1828800" algn="l" defTabSz="914400" rtl="0" eaLnBrk="1" latinLnBrk="0" hangingPunct="1">
-        <a:defRPr sz="1800" kern="1200">
+      <a:lvl5pPr marL="2404872" algn="l" defTabSz="1202436" rtl="0" eaLnBrk="1" latinLnBrk="0" hangingPunct="1">
+        <a:defRPr sz="2367" kern="1200">
           <a:solidFill>
             <a:schemeClr val="tx1"/>
           </a:solidFill>
@@ -3280,8 +2909,8 @@
           <a:cs typeface="+mn-cs"/>
         </a:defRPr>
       </a:lvl5pPr>
-      <a:lvl6pPr marL="2286000" algn="l" defTabSz="914400" rtl="0" eaLnBrk="1" latinLnBrk="0" hangingPunct="1">
-        <a:defRPr sz="1800" kern="1200">
+      <a:lvl6pPr marL="3006090" algn="l" defTabSz="1202436" rtl="0" eaLnBrk="1" latinLnBrk="0" hangingPunct="1">
+        <a:defRPr sz="2367" kern="1200">
           <a:solidFill>
             <a:schemeClr val="tx1"/>
           </a:solidFill>
@@ -3290,8 +2919,8 @@
           <a:cs typeface="+mn-cs"/>
         </a:defRPr>
       </a:lvl6pPr>
-      <a:lvl7pPr marL="2743200" algn="l" defTabSz="914400" rtl="0" eaLnBrk="1" latinLnBrk="0" hangingPunct="1">
-        <a:defRPr sz="1800" kern="1200">
+      <a:lvl7pPr marL="3607308" algn="l" defTabSz="1202436" rtl="0" eaLnBrk="1" latinLnBrk="0" hangingPunct="1">
+        <a:defRPr sz="2367" kern="1200">
           <a:solidFill>
             <a:schemeClr val="tx1"/>
           </a:solidFill>
@@ -3300,8 +2929,8 @@
           <a:cs typeface="+mn-cs"/>
         </a:defRPr>
       </a:lvl7pPr>
-      <a:lvl8pPr marL="3200400" algn="l" defTabSz="914400" rtl="0" eaLnBrk="1" latinLnBrk="0" hangingPunct="1">
-        <a:defRPr sz="1800" kern="1200">
+      <a:lvl8pPr marL="4208526" algn="l" defTabSz="1202436" rtl="0" eaLnBrk="1" latinLnBrk="0" hangingPunct="1">
+        <a:defRPr sz="2367" kern="1200">
           <a:solidFill>
             <a:schemeClr val="tx1"/>
           </a:solidFill>
@@ -3310,8 +2939,8 @@
           <a:cs typeface="+mn-cs"/>
         </a:defRPr>
       </a:lvl8pPr>
-      <a:lvl9pPr marL="3657600" algn="l" defTabSz="914400" rtl="0" eaLnBrk="1" latinLnBrk="0" hangingPunct="1">
-        <a:defRPr sz="1800" kern="1200">
+      <a:lvl9pPr marL="4809744" algn="l" defTabSz="1202436" rtl="0" eaLnBrk="1" latinLnBrk="0" hangingPunct="1">
+        <a:defRPr sz="2367" kern="1200">
           <a:solidFill>
             <a:schemeClr val="tx1"/>
           </a:solidFill>
@@ -3370,7 +2999,7 @@
         </p:blipFill>
         <p:spPr>
           <a:xfrm>
-            <a:off x="1364973" y="125894"/>
+            <a:off x="1332434" y="63193"/>
             <a:ext cx="1319887" cy="3398075"/>
           </a:xfrm>
           <a:prstGeom prst="rect">
@@ -3405,7 +3034,7 @@
         </p:blipFill>
         <p:spPr>
           <a:xfrm>
-            <a:off x="86826" y="125895"/>
+            <a:off x="54287" y="63189"/>
             <a:ext cx="1226059" cy="4495552"/>
           </a:xfrm>
           <a:prstGeom prst="rect">
@@ -3440,7 +3069,7 @@
         </p:blipFill>
         <p:spPr>
           <a:xfrm>
-            <a:off x="2736948" y="125894"/>
+            <a:off x="2704409" y="63193"/>
             <a:ext cx="1319887" cy="3438941"/>
           </a:xfrm>
           <a:prstGeom prst="rect">
@@ -3476,7 +3105,7 @@
         </p:blipFill>
         <p:spPr>
           <a:xfrm>
-            <a:off x="4108923" y="125894"/>
+            <a:off x="4076384" y="63188"/>
             <a:ext cx="1321625" cy="1987696"/>
           </a:xfrm>
           <a:prstGeom prst="rect">
@@ -3511,7 +3140,7 @@
         </p:blipFill>
         <p:spPr>
           <a:xfrm>
-            <a:off x="5480897" y="125893"/>
+            <a:off x="5448358" y="63192"/>
             <a:ext cx="1319887" cy="4749159"/>
           </a:xfrm>
           <a:prstGeom prst="rect">
@@ -3547,7 +3176,7 @@
         </p:blipFill>
         <p:spPr>
           <a:xfrm>
-            <a:off x="1363233" y="3564835"/>
+            <a:off x="1330694" y="3502134"/>
             <a:ext cx="1319887" cy="2871387"/>
           </a:xfrm>
           <a:prstGeom prst="rect">
@@ -3583,12 +3212,15 @@
         </p:blipFill>
         <p:spPr>
           <a:xfrm>
-            <a:off x="2742268" y="3612363"/>
+            <a:off x="2709729" y="3549657"/>
             <a:ext cx="1314567" cy="2736574"/>
           </a:xfrm>
           <a:prstGeom prst="rect">
             <a:avLst/>
           </a:prstGeom>
+          <a:ln>
+            <a:noFill/>
+          </a:ln>
         </p:spPr>
       </p:pic>
       <p:pic>
@@ -3619,7 +3251,7 @@
         </p:blipFill>
         <p:spPr>
           <a:xfrm>
-            <a:off x="4115983" y="2169688"/>
+            <a:off x="4083444" y="2106982"/>
             <a:ext cx="1314567" cy="2790294"/>
           </a:xfrm>
           <a:prstGeom prst="rect">
@@ -3655,7 +3287,7 @@
         </p:blipFill>
         <p:spPr>
           <a:xfrm>
-            <a:off x="91278" y="4674456"/>
+            <a:off x="58739" y="4611750"/>
             <a:ext cx="1202455" cy="2081172"/>
           </a:xfrm>
           <a:prstGeom prst="rect">
@@ -3691,7 +3323,7 @@
         </p:blipFill>
         <p:spPr>
           <a:xfrm>
-            <a:off x="6851131" y="125893"/>
+            <a:off x="6818592" y="63187"/>
             <a:ext cx="1269219" cy="4365990"/>
           </a:xfrm>
           <a:prstGeom prst="rect">
@@ -3727,7 +3359,7 @@
         </p:blipFill>
         <p:spPr>
           <a:xfrm>
-            <a:off x="8185380" y="125312"/>
+            <a:off x="8152836" y="62606"/>
             <a:ext cx="1269672" cy="3061252"/>
           </a:xfrm>
           <a:prstGeom prst="rect">
@@ -3763,7 +3395,7 @@
         </p:blipFill>
         <p:spPr>
           <a:xfrm>
-            <a:off x="8185380" y="3253408"/>
+            <a:off x="8152841" y="3190707"/>
             <a:ext cx="1273327" cy="4061791"/>
           </a:xfrm>
           <a:prstGeom prst="rect">
@@ -3799,12 +3431,197 @@
         </p:blipFill>
         <p:spPr>
           <a:xfrm>
-            <a:off x="4104556" y="5016080"/>
+            <a:off x="4072012" y="4953379"/>
             <a:ext cx="2646626" cy="3186563"/>
           </a:xfrm>
           <a:prstGeom prst="rect">
             <a:avLst/>
           </a:prstGeom>
+        </p:spPr>
+      </p:pic>
+      <p:pic>
+        <p:nvPicPr>
+          <p:cNvPr id="3" name="Picture 2">
+            <a:extLst>
+              <a:ext uri="{FF2B5EF4-FFF2-40B4-BE49-F238E27FC236}">
+                <a16:creationId xmlns:a16="http://schemas.microsoft.com/office/drawing/2014/main" id="{54A16A24-E20B-CE40-733D-97811CE29E9F}"/>
+              </a:ext>
+            </a:extLst>
+          </p:cNvPr>
+          <p:cNvPicPr>
+            <a:picLocks noChangeAspect="1"/>
+          </p:cNvPicPr>
+          <p:nvPr/>
+        </p:nvPicPr>
+        <p:blipFill>
+          <a:blip r:embed="rId15"/>
+          <a:stretch>
+            <a:fillRect/>
+          </a:stretch>
+        </p:blipFill>
+        <p:spPr>
+          <a:xfrm>
+            <a:off x="9519288" y="86594"/>
+            <a:ext cx="1673892" cy="2859188"/>
+          </a:xfrm>
+          <a:prstGeom prst="rect">
+            <a:avLst/>
+          </a:prstGeom>
+          <a:ln w="28575">
+            <a:solidFill>
+              <a:schemeClr val="bg1">
+                <a:lumMod val="95000"/>
+              </a:schemeClr>
+            </a:solidFill>
+          </a:ln>
+        </p:spPr>
+      </p:pic>
+      <p:pic>
+        <p:nvPicPr>
+          <p:cNvPr id="6" name="Picture 5">
+            <a:extLst>
+              <a:ext uri="{FF2B5EF4-FFF2-40B4-BE49-F238E27FC236}">
+                <a16:creationId xmlns:a16="http://schemas.microsoft.com/office/drawing/2014/main" id="{9AF7073E-F13C-83E2-3CE6-4D68ACB57DD3}"/>
+              </a:ext>
+            </a:extLst>
+          </p:cNvPr>
+          <p:cNvPicPr>
+            <a:picLocks noChangeAspect="1"/>
+          </p:cNvPicPr>
+          <p:nvPr/>
+        </p:nvPicPr>
+        <p:blipFill>
+          <a:blip r:embed="rId16"/>
+          <a:stretch>
+            <a:fillRect/>
+          </a:stretch>
+        </p:blipFill>
+        <p:spPr>
+          <a:xfrm>
+            <a:off x="9519288" y="3064094"/>
+            <a:ext cx="1719980" cy="2938494"/>
+          </a:xfrm>
+          <a:prstGeom prst="rect">
+            <a:avLst/>
+          </a:prstGeom>
+          <a:ln w="28575">
+            <a:solidFill>
+              <a:schemeClr val="bg1">
+                <a:lumMod val="95000"/>
+              </a:schemeClr>
+            </a:solidFill>
+          </a:ln>
+        </p:spPr>
+      </p:pic>
+      <p:pic>
+        <p:nvPicPr>
+          <p:cNvPr id="10" name="Picture 9">
+            <a:extLst>
+              <a:ext uri="{FF2B5EF4-FFF2-40B4-BE49-F238E27FC236}">
+                <a16:creationId xmlns:a16="http://schemas.microsoft.com/office/drawing/2014/main" id="{CB9D5389-8D88-2D13-AC52-3821DAACC620}"/>
+              </a:ext>
+            </a:extLst>
+          </p:cNvPr>
+          <p:cNvPicPr>
+            <a:picLocks noChangeAspect="1"/>
+          </p:cNvPicPr>
+          <p:nvPr/>
+        </p:nvPicPr>
+        <p:blipFill>
+          <a:blip r:embed="rId17"/>
+          <a:stretch>
+            <a:fillRect/>
+          </a:stretch>
+        </p:blipFill>
+        <p:spPr>
+          <a:xfrm>
+            <a:off x="6829492" y="4504256"/>
+            <a:ext cx="1241385" cy="972701"/>
+          </a:xfrm>
+          <a:prstGeom prst="rect">
+            <a:avLst/>
+          </a:prstGeom>
+          <a:ln w="28575">
+            <a:solidFill>
+              <a:schemeClr val="bg1">
+                <a:lumMod val="95000"/>
+              </a:schemeClr>
+            </a:solidFill>
+          </a:ln>
+        </p:spPr>
+      </p:pic>
+      <p:pic>
+        <p:nvPicPr>
+          <p:cNvPr id="18" name="Picture 17">
+            <a:extLst>
+              <a:ext uri="{FF2B5EF4-FFF2-40B4-BE49-F238E27FC236}">
+                <a16:creationId xmlns:a16="http://schemas.microsoft.com/office/drawing/2014/main" id="{9F94B09B-7340-21A7-F081-119C51A4C889}"/>
+              </a:ext>
+            </a:extLst>
+          </p:cNvPr>
+          <p:cNvPicPr>
+            <a:picLocks noChangeAspect="1"/>
+          </p:cNvPicPr>
+          <p:nvPr/>
+        </p:nvPicPr>
+        <p:blipFill>
+          <a:blip r:embed="rId18"/>
+          <a:stretch>
+            <a:fillRect/>
+          </a:stretch>
+        </p:blipFill>
+        <p:spPr>
+          <a:xfrm>
+            <a:off x="11333040" y="86597"/>
+            <a:ext cx="1753922" cy="2819657"/>
+          </a:xfrm>
+          <a:prstGeom prst="rect">
+            <a:avLst/>
+          </a:prstGeom>
+          <a:ln w="28575">
+            <a:solidFill>
+              <a:schemeClr val="bg1">
+                <a:lumMod val="95000"/>
+              </a:schemeClr>
+            </a:solidFill>
+          </a:ln>
+        </p:spPr>
+      </p:pic>
+      <p:pic>
+        <p:nvPicPr>
+          <p:cNvPr id="22" name="Picture 21">
+            <a:extLst>
+              <a:ext uri="{FF2B5EF4-FFF2-40B4-BE49-F238E27FC236}">
+                <a16:creationId xmlns:a16="http://schemas.microsoft.com/office/drawing/2014/main" id="{CB1F8F67-63E6-BD48-01CF-A675F16398B8}"/>
+              </a:ext>
+            </a:extLst>
+          </p:cNvPr>
+          <p:cNvPicPr>
+            <a:picLocks noChangeAspect="1"/>
+          </p:cNvPicPr>
+          <p:nvPr/>
+        </p:nvPicPr>
+        <p:blipFill>
+          <a:blip r:embed="rId19"/>
+          <a:stretch>
+            <a:fillRect/>
+          </a:stretch>
+        </p:blipFill>
+        <p:spPr>
+          <a:xfrm>
+            <a:off x="11373680" y="3064094"/>
+            <a:ext cx="1760803" cy="1210854"/>
+          </a:xfrm>
+          <a:prstGeom prst="rect">
+            <a:avLst/>
+          </a:prstGeom>
+          <a:ln w="28575">
+            <a:solidFill>
+              <a:schemeClr val="bg1">
+                <a:lumMod val="95000"/>
+              </a:schemeClr>
+            </a:solidFill>
+          </a:ln>
         </p:spPr>
       </p:pic>
     </p:spTree>
@@ -3823,7 +3640,7 @@
 <file path=ppt/theme/theme1.xml><?xml version="1.0" encoding="utf-8"?>
 <a:theme xmlns:a="http://schemas.openxmlformats.org/drawingml/2006/main" name="Office Theme">
   <a:themeElements>
-    <a:clrScheme name="Office">
+    <a:clrScheme name="Office Theme">
       <a:dk1>
         <a:sysClr val="windowText" lastClr="000000"/>
       </a:dk1>
@@ -3861,7 +3678,7 @@
         <a:srgbClr val="954F72"/>
       </a:folHlink>
     </a:clrScheme>
-    <a:fontScheme name="Office">
+    <a:fontScheme name="Office Theme">
       <a:majorFont>
         <a:latin typeface="Calibri Light" panose="020F0302020204030204"/>
         <a:ea typeface=""/>
@@ -3896,23 +3713,6 @@
         <a:font script="Viet" typeface="Times New Roman"/>
         <a:font script="Uigh" typeface="Microsoft Uighur"/>
         <a:font script="Geor" typeface="Sylfaen"/>
-        <a:font script="Armn" typeface="Arial"/>
-        <a:font script="Bugi" typeface="Leelawadee UI"/>
-        <a:font script="Bopo" typeface="Microsoft JhengHei"/>
-        <a:font script="Java" typeface="Javanese Text"/>
-        <a:font script="Lisu" typeface="Segoe UI"/>
-        <a:font script="Mymr" typeface="Myanmar Text"/>
-        <a:font script="Nkoo" typeface="Ebrima"/>
-        <a:font script="Olck" typeface="Nirmala UI"/>
-        <a:font script="Osma" typeface="Ebrima"/>
-        <a:font script="Phag" typeface="Phagspa"/>
-        <a:font script="Syrn" typeface="Estrangelo Edessa"/>
-        <a:font script="Syrj" typeface="Estrangelo Edessa"/>
-        <a:font script="Syre" typeface="Estrangelo Edessa"/>
-        <a:font script="Sora" typeface="Nirmala UI"/>
-        <a:font script="Tale" typeface="Microsoft Tai Le"/>
-        <a:font script="Talu" typeface="Microsoft New Tai Lue"/>
-        <a:font script="Tfng" typeface="Ebrima"/>
       </a:majorFont>
       <a:minorFont>
         <a:latin typeface="Calibri" panose="020F0502020204030204"/>
@@ -3948,26 +3748,9 @@
         <a:font script="Viet" typeface="Arial"/>
         <a:font script="Uigh" typeface="Microsoft Uighur"/>
         <a:font script="Geor" typeface="Sylfaen"/>
-        <a:font script="Armn" typeface="Arial"/>
-        <a:font script="Bugi" typeface="Leelawadee UI"/>
-        <a:font script="Bopo" typeface="Microsoft JhengHei"/>
-        <a:font script="Java" typeface="Javanese Text"/>
-        <a:font script="Lisu" typeface="Segoe UI"/>
-        <a:font script="Mymr" typeface="Myanmar Text"/>
-        <a:font script="Nkoo" typeface="Ebrima"/>
-        <a:font script="Olck" typeface="Nirmala UI"/>
-        <a:font script="Osma" typeface="Ebrima"/>
-        <a:font script="Phag" typeface="Phagspa"/>
-        <a:font script="Syrn" typeface="Estrangelo Edessa"/>
-        <a:font script="Syrj" typeface="Estrangelo Edessa"/>
-        <a:font script="Syre" typeface="Estrangelo Edessa"/>
-        <a:font script="Sora" typeface="Nirmala UI"/>
-        <a:font script="Tale" typeface="Microsoft Tai Le"/>
-        <a:font script="Talu" typeface="Microsoft New Tai Lue"/>
-        <a:font script="Tfng" typeface="Ebrima"/>
       </a:minorFont>
     </a:fontScheme>
-    <a:fmtScheme name="Office">
+    <a:fmtScheme name="Office Theme">
       <a:fillStyleLst>
         <a:solidFill>
           <a:schemeClr val="phClr"/>

--- a/assets/promo-pic-slide.pptx
+++ b/assets/promo-pic-slide.pptx
@@ -243,7 +243,7 @@
           <a:p>
             <a:fld id="{3AEECB1E-8F43-4310-8D22-D4EEFFC640B9}" type="datetimeFigureOut">
               <a:rPr lang="en-FI" smtClean="0"/>
-              <a:t>09/05/2022</a:t>
+              <a:t>03/24/2024</a:t>
             </a:fld>
             <a:endParaRPr lang="en-FI"/>
           </a:p>
@@ -413,7 +413,7 @@
           <a:p>
             <a:fld id="{3AEECB1E-8F43-4310-8D22-D4EEFFC640B9}" type="datetimeFigureOut">
               <a:rPr lang="en-FI" smtClean="0"/>
-              <a:t>09/05/2022</a:t>
+              <a:t>03/24/2024</a:t>
             </a:fld>
             <a:endParaRPr lang="en-FI"/>
           </a:p>
@@ -593,7 +593,7 @@
           <a:p>
             <a:fld id="{3AEECB1E-8F43-4310-8D22-D4EEFFC640B9}" type="datetimeFigureOut">
               <a:rPr lang="en-FI" smtClean="0"/>
-              <a:t>09/05/2022</a:t>
+              <a:t>03/24/2024</a:t>
             </a:fld>
             <a:endParaRPr lang="en-FI"/>
           </a:p>
@@ -763,7 +763,7 @@
           <a:p>
             <a:fld id="{3AEECB1E-8F43-4310-8D22-D4EEFFC640B9}" type="datetimeFigureOut">
               <a:rPr lang="en-FI" smtClean="0"/>
-              <a:t>09/05/2022</a:t>
+              <a:t>03/24/2024</a:t>
             </a:fld>
             <a:endParaRPr lang="en-FI"/>
           </a:p>
@@ -1007,7 +1007,7 @@
           <a:p>
             <a:fld id="{3AEECB1E-8F43-4310-8D22-D4EEFFC640B9}" type="datetimeFigureOut">
               <a:rPr lang="en-FI" smtClean="0"/>
-              <a:t>09/05/2022</a:t>
+              <a:t>03/24/2024</a:t>
             </a:fld>
             <a:endParaRPr lang="en-FI"/>
           </a:p>
@@ -1239,7 +1239,7 @@
           <a:p>
             <a:fld id="{3AEECB1E-8F43-4310-8D22-D4EEFFC640B9}" type="datetimeFigureOut">
               <a:rPr lang="en-FI" smtClean="0"/>
-              <a:t>09/05/2022</a:t>
+              <a:t>03/24/2024</a:t>
             </a:fld>
             <a:endParaRPr lang="en-FI"/>
           </a:p>
@@ -1606,7 +1606,7 @@
           <a:p>
             <a:fld id="{3AEECB1E-8F43-4310-8D22-D4EEFFC640B9}" type="datetimeFigureOut">
               <a:rPr lang="en-FI" smtClean="0"/>
-              <a:t>09/05/2022</a:t>
+              <a:t>03/24/2024</a:t>
             </a:fld>
             <a:endParaRPr lang="en-FI"/>
           </a:p>
@@ -1724,7 +1724,7 @@
           <a:p>
             <a:fld id="{3AEECB1E-8F43-4310-8D22-D4EEFFC640B9}" type="datetimeFigureOut">
               <a:rPr lang="en-FI" smtClean="0"/>
-              <a:t>09/05/2022</a:t>
+              <a:t>03/24/2024</a:t>
             </a:fld>
             <a:endParaRPr lang="en-FI"/>
           </a:p>
@@ -1819,7 +1819,7 @@
           <a:p>
             <a:fld id="{3AEECB1E-8F43-4310-8D22-D4EEFFC640B9}" type="datetimeFigureOut">
               <a:rPr lang="en-FI" smtClean="0"/>
-              <a:t>09/05/2022</a:t>
+              <a:t>03/24/2024</a:t>
             </a:fld>
             <a:endParaRPr lang="en-FI"/>
           </a:p>
@@ -2096,7 +2096,7 @@
           <a:p>
             <a:fld id="{3AEECB1E-8F43-4310-8D22-D4EEFFC640B9}" type="datetimeFigureOut">
               <a:rPr lang="en-FI" smtClean="0"/>
-              <a:t>09/05/2022</a:t>
+              <a:t>03/24/2024</a:t>
             </a:fld>
             <a:endParaRPr lang="en-FI"/>
           </a:p>
@@ -2353,7 +2353,7 @@
           <a:p>
             <a:fld id="{3AEECB1E-8F43-4310-8D22-D4EEFFC640B9}" type="datetimeFigureOut">
               <a:rPr lang="en-FI" smtClean="0"/>
-              <a:t>09/05/2022</a:t>
+              <a:t>03/24/2024</a:t>
             </a:fld>
             <a:endParaRPr lang="en-FI"/>
           </a:p>
@@ -2566,7 +2566,7 @@
           <a:p>
             <a:fld id="{3AEECB1E-8F43-4310-8D22-D4EEFFC640B9}" type="datetimeFigureOut">
               <a:rPr lang="en-FI" smtClean="0"/>
-              <a:t>09/05/2022</a:t>
+              <a:t>03/24/2024</a:t>
             </a:fld>
             <a:endParaRPr lang="en-FI"/>
           </a:p>
@@ -3323,7 +3323,7 @@
         </p:blipFill>
         <p:spPr>
           <a:xfrm>
-            <a:off x="6818592" y="63187"/>
+            <a:off x="6813687" y="62606"/>
             <a:ext cx="1269219" cy="4365990"/>
           </a:xfrm>
           <a:prstGeom prst="rect">
@@ -3622,6 +3622,101 @@
               </a:schemeClr>
             </a:solidFill>
           </a:ln>
+        </p:spPr>
+      </p:pic>
+      <p:pic>
+        <p:nvPicPr>
+          <p:cNvPr id="4" name="Picture 3" descr="A screenshot of a phone&#10;&#10;Description automatically generated">
+            <a:extLst>
+              <a:ext uri="{FF2B5EF4-FFF2-40B4-BE49-F238E27FC236}">
+                <a16:creationId xmlns:a16="http://schemas.microsoft.com/office/drawing/2014/main" id="{2961F41C-7D71-4076-20AC-3DC43A05930F}"/>
+              </a:ext>
+            </a:extLst>
+          </p:cNvPr>
+          <p:cNvPicPr>
+            <a:picLocks noChangeAspect="1"/>
+          </p:cNvPicPr>
+          <p:nvPr/>
+        </p:nvPicPr>
+        <p:blipFill rotWithShape="1">
+          <a:blip r:embed="rId20">
+            <a:extLst>
+              <a:ext uri="{28A0092B-C50C-407E-A947-70E740481C1C}">
+                <a14:useLocalDpi xmlns:a14="http://schemas.microsoft.com/office/drawing/2010/main" val="0"/>
+              </a:ext>
+            </a:extLst>
+          </a:blip>
+          <a:srcRect l="2728" t="1466" r="39405" b="3433"/>
+          <a:stretch/>
+        </p:blipFill>
+        <p:spPr>
+          <a:xfrm>
+            <a:off x="11353055" y="4428596"/>
+            <a:ext cx="1806096" cy="2434316"/>
+          </a:xfrm>
+          <a:prstGeom prst="rect">
+            <a:avLst/>
+          </a:prstGeom>
+        </p:spPr>
+      </p:pic>
+      <p:pic>
+        <p:nvPicPr>
+          <p:cNvPr id="12" name="Picture 11">
+            <a:extLst>
+              <a:ext uri="{FF2B5EF4-FFF2-40B4-BE49-F238E27FC236}">
+                <a16:creationId xmlns:a16="http://schemas.microsoft.com/office/drawing/2014/main" id="{C021EF5D-96E5-464B-1E83-2575BDC715DA}"/>
+              </a:ext>
+            </a:extLst>
+          </p:cNvPr>
+          <p:cNvPicPr>
+            <a:picLocks noChangeAspect="1"/>
+          </p:cNvPicPr>
+          <p:nvPr/>
+        </p:nvPicPr>
+        <p:blipFill>
+          <a:blip r:embed="rId21"/>
+          <a:stretch>
+            <a:fillRect/>
+          </a:stretch>
+        </p:blipFill>
+        <p:spPr>
+          <a:xfrm>
+            <a:off x="1330694" y="6461471"/>
+            <a:ext cx="2310472" cy="903711"/>
+          </a:xfrm>
+          <a:prstGeom prst="rect">
+            <a:avLst/>
+          </a:prstGeom>
+        </p:spPr>
+      </p:pic>
+      <p:pic>
+        <p:nvPicPr>
+          <p:cNvPr id="16" name="Picture 15">
+            <a:extLst>
+              <a:ext uri="{FF2B5EF4-FFF2-40B4-BE49-F238E27FC236}">
+                <a16:creationId xmlns:a16="http://schemas.microsoft.com/office/drawing/2014/main" id="{D08EDD1D-B4D6-5A4B-52FC-23FEB9FB63A1}"/>
+              </a:ext>
+            </a:extLst>
+          </p:cNvPr>
+          <p:cNvPicPr>
+            <a:picLocks noChangeAspect="1"/>
+          </p:cNvPicPr>
+          <p:nvPr/>
+        </p:nvPicPr>
+        <p:blipFill>
+          <a:blip r:embed="rId22"/>
+          <a:stretch>
+            <a:fillRect/>
+          </a:stretch>
+        </p:blipFill>
+        <p:spPr>
+          <a:xfrm>
+            <a:off x="9496103" y="6084405"/>
+            <a:ext cx="1774131" cy="1467533"/>
+          </a:xfrm>
+          <a:prstGeom prst="rect">
+            <a:avLst/>
+          </a:prstGeom>
         </p:spPr>
       </p:pic>
     </p:spTree>
